--- a/Lab2/Lab2_pre.pptx
+++ b/Lab2/Lab2_pre.pptx
@@ -5,10 +5,10 @@
     <p:sldMasterId id="2147483648" r:id="rId1"/>
   </p:sldMasterIdLst>
   <p:notesMasterIdLst>
-    <p:notesMasterId r:id="rId17"/>
+    <p:notesMasterId r:id="rId8"/>
   </p:notesMasterIdLst>
   <p:handoutMasterIdLst>
-    <p:handoutMasterId r:id="rId18"/>
+    <p:handoutMasterId r:id="rId9"/>
   </p:handoutMasterIdLst>
   <p:sldIdLst>
     <p:sldId id="269" r:id="rId2"/>
@@ -17,20 +17,11 @@
     <p:sldId id="278" r:id="rId5"/>
     <p:sldId id="279" r:id="rId6"/>
     <p:sldId id="280" r:id="rId7"/>
-    <p:sldId id="281" r:id="rId8"/>
-    <p:sldId id="282" r:id="rId9"/>
-    <p:sldId id="286" r:id="rId10"/>
-    <p:sldId id="287" r:id="rId11"/>
-    <p:sldId id="283" r:id="rId12"/>
-    <p:sldId id="288" r:id="rId13"/>
-    <p:sldId id="284" r:id="rId14"/>
-    <p:sldId id="285" r:id="rId15"/>
-    <p:sldId id="289" r:id="rId16"/>
   </p:sldIdLst>
   <p:sldSz cx="9144000" cy="5143500" type="screen16x9"/>
   <p:notesSz cx="6858000" cy="9144000"/>
   <p:custDataLst>
-    <p:tags r:id="rId19"/>
+    <p:tags r:id="rId10"/>
   </p:custDataLst>
   <p:defaultTextStyle>
     <a:defPPr>
@@ -967,584 +958,6 @@
 </p:notes>
 </file>
 
-<file path=ppt/notesSlides/notesSlide10.xml><?xml version="1.0" encoding="utf-8"?>
-<p:notes xmlns:a="http://schemas.openxmlformats.org/drawingml/2006/main" xmlns:r="http://schemas.openxmlformats.org/officeDocument/2006/relationships" xmlns:p="http://schemas.openxmlformats.org/presentationml/2006/main">
-  <p:cSld>
-    <p:spTree>
-      <p:nvGrpSpPr>
-        <p:cNvPr id="1" name=""/>
-        <p:cNvGrpSpPr/>
-        <p:nvPr/>
-      </p:nvGrpSpPr>
-      <p:grpSpPr>
-        <a:xfrm>
-          <a:off x="0" y="0"/>
-          <a:ext cx="0" cy="0"/>
-          <a:chOff x="0" y="0"/>
-          <a:chExt cx="0" cy="0"/>
-        </a:xfrm>
-      </p:grpSpPr>
-      <p:sp>
-        <p:nvSpPr>
-          <p:cNvPr id="2" name="Slide Image Placeholder 1"/>
-          <p:cNvSpPr>
-            <a:spLocks noGrp="1" noRot="1" noChangeAspect="1"/>
-          </p:cNvSpPr>
-          <p:nvPr>
-            <p:ph type="sldImg"/>
-          </p:nvPr>
-        </p:nvSpPr>
-        <p:spPr/>
-      </p:sp>
-      <p:sp>
-        <p:nvSpPr>
-          <p:cNvPr id="3" name="Notes Placeholder 2"/>
-          <p:cNvSpPr>
-            <a:spLocks noGrp="1"/>
-          </p:cNvSpPr>
-          <p:nvPr>
-            <p:ph type="body" idx="1"/>
-          </p:nvPr>
-        </p:nvSpPr>
-        <p:spPr/>
-        <p:txBody>
-          <a:bodyPr/>
-          <a:lstStyle/>
-          <a:p>
-            <a:pPr marL="0" indent="0">
-              <a:buFontTx/>
-              <a:buNone/>
-            </a:pPr>
-            <a:endParaRPr lang="sv-SE" baseline="0" dirty="0"/>
-          </a:p>
-        </p:txBody>
-      </p:sp>
-      <p:sp>
-        <p:nvSpPr>
-          <p:cNvPr id="4" name="Slide Number Placeholder 3"/>
-          <p:cNvSpPr>
-            <a:spLocks noGrp="1"/>
-          </p:cNvSpPr>
-          <p:nvPr>
-            <p:ph type="sldNum" sz="quarter" idx="10"/>
-          </p:nvPr>
-        </p:nvSpPr>
-        <p:spPr/>
-        <p:txBody>
-          <a:bodyPr/>
-          <a:lstStyle/>
-          <a:p>
-            <a:pPr>
-              <a:defRPr/>
-            </a:pPr>
-            <a:fld id="{EE811775-299A-4959-BF5A-5DFB3E75F6AC}" type="slidenum">
-              <a:rPr lang="sv-SE" smtClean="0"/>
-              <a:pPr>
-                <a:defRPr/>
-              </a:pPr>
-              <a:t>10</a:t>
-            </a:fld>
-            <a:endParaRPr lang="sv-SE" dirty="0"/>
-          </a:p>
-        </p:txBody>
-      </p:sp>
-    </p:spTree>
-    <p:extLst>
-      <p:ext uri="{BB962C8B-B14F-4D97-AF65-F5344CB8AC3E}">
-        <p14:creationId xmlns:p14="http://schemas.microsoft.com/office/powerpoint/2010/main" val="1431197258"/>
-      </p:ext>
-    </p:extLst>
-  </p:cSld>
-  <p:clrMapOvr>
-    <a:masterClrMapping/>
-  </p:clrMapOvr>
-</p:notes>
-</file>
-
-<file path=ppt/notesSlides/notesSlide11.xml><?xml version="1.0" encoding="utf-8"?>
-<p:notes xmlns:a="http://schemas.openxmlformats.org/drawingml/2006/main" xmlns:r="http://schemas.openxmlformats.org/officeDocument/2006/relationships" xmlns:p="http://schemas.openxmlformats.org/presentationml/2006/main">
-  <p:cSld>
-    <p:spTree>
-      <p:nvGrpSpPr>
-        <p:cNvPr id="1" name=""/>
-        <p:cNvGrpSpPr/>
-        <p:nvPr/>
-      </p:nvGrpSpPr>
-      <p:grpSpPr>
-        <a:xfrm>
-          <a:off x="0" y="0"/>
-          <a:ext cx="0" cy="0"/>
-          <a:chOff x="0" y="0"/>
-          <a:chExt cx="0" cy="0"/>
-        </a:xfrm>
-      </p:grpSpPr>
-      <p:sp>
-        <p:nvSpPr>
-          <p:cNvPr id="2" name="Slide Image Placeholder 1"/>
-          <p:cNvSpPr>
-            <a:spLocks noGrp="1" noRot="1" noChangeAspect="1"/>
-          </p:cNvSpPr>
-          <p:nvPr>
-            <p:ph type="sldImg"/>
-          </p:nvPr>
-        </p:nvSpPr>
-        <p:spPr/>
-      </p:sp>
-      <p:sp>
-        <p:nvSpPr>
-          <p:cNvPr id="3" name="Notes Placeholder 2"/>
-          <p:cNvSpPr>
-            <a:spLocks noGrp="1"/>
-          </p:cNvSpPr>
-          <p:nvPr>
-            <p:ph type="body" idx="1"/>
-          </p:nvPr>
-        </p:nvSpPr>
-        <p:spPr/>
-        <p:txBody>
-          <a:bodyPr/>
-          <a:lstStyle/>
-          <a:p>
-            <a:pPr marL="0" indent="0">
-              <a:buFontTx/>
-              <a:buNone/>
-            </a:pPr>
-            <a:endParaRPr lang="sv-SE" baseline="0" dirty="0"/>
-          </a:p>
-        </p:txBody>
-      </p:sp>
-      <p:sp>
-        <p:nvSpPr>
-          <p:cNvPr id="4" name="Slide Number Placeholder 3"/>
-          <p:cNvSpPr>
-            <a:spLocks noGrp="1"/>
-          </p:cNvSpPr>
-          <p:nvPr>
-            <p:ph type="sldNum" sz="quarter" idx="10"/>
-          </p:nvPr>
-        </p:nvSpPr>
-        <p:spPr/>
-        <p:txBody>
-          <a:bodyPr/>
-          <a:lstStyle/>
-          <a:p>
-            <a:pPr>
-              <a:defRPr/>
-            </a:pPr>
-            <a:fld id="{EE811775-299A-4959-BF5A-5DFB3E75F6AC}" type="slidenum">
-              <a:rPr lang="sv-SE" smtClean="0"/>
-              <a:pPr>
-                <a:defRPr/>
-              </a:pPr>
-              <a:t>11</a:t>
-            </a:fld>
-            <a:endParaRPr lang="sv-SE" dirty="0"/>
-          </a:p>
-        </p:txBody>
-      </p:sp>
-    </p:spTree>
-    <p:extLst>
-      <p:ext uri="{BB962C8B-B14F-4D97-AF65-F5344CB8AC3E}">
-        <p14:creationId xmlns:p14="http://schemas.microsoft.com/office/powerpoint/2010/main" val="483877286"/>
-      </p:ext>
-    </p:extLst>
-  </p:cSld>
-  <p:clrMapOvr>
-    <a:masterClrMapping/>
-  </p:clrMapOvr>
-</p:notes>
-</file>
-
-<file path=ppt/notesSlides/notesSlide12.xml><?xml version="1.0" encoding="utf-8"?>
-<p:notes xmlns:a="http://schemas.openxmlformats.org/drawingml/2006/main" xmlns:r="http://schemas.openxmlformats.org/officeDocument/2006/relationships" xmlns:p="http://schemas.openxmlformats.org/presentationml/2006/main">
-  <p:cSld>
-    <p:spTree>
-      <p:nvGrpSpPr>
-        <p:cNvPr id="1" name=""/>
-        <p:cNvGrpSpPr/>
-        <p:nvPr/>
-      </p:nvGrpSpPr>
-      <p:grpSpPr>
-        <a:xfrm>
-          <a:off x="0" y="0"/>
-          <a:ext cx="0" cy="0"/>
-          <a:chOff x="0" y="0"/>
-          <a:chExt cx="0" cy="0"/>
-        </a:xfrm>
-      </p:grpSpPr>
-      <p:sp>
-        <p:nvSpPr>
-          <p:cNvPr id="2" name="Slide Image Placeholder 1"/>
-          <p:cNvSpPr>
-            <a:spLocks noGrp="1" noRot="1" noChangeAspect="1"/>
-          </p:cNvSpPr>
-          <p:nvPr>
-            <p:ph type="sldImg"/>
-          </p:nvPr>
-        </p:nvSpPr>
-        <p:spPr/>
-      </p:sp>
-      <p:sp>
-        <p:nvSpPr>
-          <p:cNvPr id="3" name="Notes Placeholder 2"/>
-          <p:cNvSpPr>
-            <a:spLocks noGrp="1"/>
-          </p:cNvSpPr>
-          <p:nvPr>
-            <p:ph type="body" idx="1"/>
-          </p:nvPr>
-        </p:nvSpPr>
-        <p:spPr/>
-        <p:txBody>
-          <a:bodyPr/>
-          <a:lstStyle/>
-          <a:p>
-            <a:pPr marL="0" indent="0">
-              <a:buFontTx/>
-              <a:buNone/>
-            </a:pPr>
-            <a:endParaRPr lang="sv-SE" baseline="0" dirty="0"/>
-          </a:p>
-        </p:txBody>
-      </p:sp>
-      <p:sp>
-        <p:nvSpPr>
-          <p:cNvPr id="4" name="Slide Number Placeholder 3"/>
-          <p:cNvSpPr>
-            <a:spLocks noGrp="1"/>
-          </p:cNvSpPr>
-          <p:nvPr>
-            <p:ph type="sldNum" sz="quarter" idx="10"/>
-          </p:nvPr>
-        </p:nvSpPr>
-        <p:spPr/>
-        <p:txBody>
-          <a:bodyPr/>
-          <a:lstStyle/>
-          <a:p>
-            <a:pPr>
-              <a:defRPr/>
-            </a:pPr>
-            <a:fld id="{EE811775-299A-4959-BF5A-5DFB3E75F6AC}" type="slidenum">
-              <a:rPr lang="sv-SE" smtClean="0"/>
-              <a:pPr>
-                <a:defRPr/>
-              </a:pPr>
-              <a:t>12</a:t>
-            </a:fld>
-            <a:endParaRPr lang="sv-SE" dirty="0"/>
-          </a:p>
-        </p:txBody>
-      </p:sp>
-    </p:spTree>
-    <p:extLst>
-      <p:ext uri="{BB962C8B-B14F-4D97-AF65-F5344CB8AC3E}">
-        <p14:creationId xmlns:p14="http://schemas.microsoft.com/office/powerpoint/2010/main" val="1782240087"/>
-      </p:ext>
-    </p:extLst>
-  </p:cSld>
-  <p:clrMapOvr>
-    <a:masterClrMapping/>
-  </p:clrMapOvr>
-</p:notes>
-</file>
-
-<file path=ppt/notesSlides/notesSlide13.xml><?xml version="1.0" encoding="utf-8"?>
-<p:notes xmlns:a="http://schemas.openxmlformats.org/drawingml/2006/main" xmlns:r="http://schemas.openxmlformats.org/officeDocument/2006/relationships" xmlns:p="http://schemas.openxmlformats.org/presentationml/2006/main">
-  <p:cSld>
-    <p:spTree>
-      <p:nvGrpSpPr>
-        <p:cNvPr id="1" name=""/>
-        <p:cNvGrpSpPr/>
-        <p:nvPr/>
-      </p:nvGrpSpPr>
-      <p:grpSpPr>
-        <a:xfrm>
-          <a:off x="0" y="0"/>
-          <a:ext cx="0" cy="0"/>
-          <a:chOff x="0" y="0"/>
-          <a:chExt cx="0" cy="0"/>
-        </a:xfrm>
-      </p:grpSpPr>
-      <p:sp>
-        <p:nvSpPr>
-          <p:cNvPr id="2" name="Slide Image Placeholder 1"/>
-          <p:cNvSpPr>
-            <a:spLocks noGrp="1" noRot="1" noChangeAspect="1"/>
-          </p:cNvSpPr>
-          <p:nvPr>
-            <p:ph type="sldImg"/>
-          </p:nvPr>
-        </p:nvSpPr>
-        <p:spPr/>
-      </p:sp>
-      <p:sp>
-        <p:nvSpPr>
-          <p:cNvPr id="3" name="Notes Placeholder 2"/>
-          <p:cNvSpPr>
-            <a:spLocks noGrp="1"/>
-          </p:cNvSpPr>
-          <p:nvPr>
-            <p:ph type="body" idx="1"/>
-          </p:nvPr>
-        </p:nvSpPr>
-        <p:spPr/>
-        <p:txBody>
-          <a:bodyPr/>
-          <a:lstStyle/>
-          <a:p>
-            <a:pPr marL="0" indent="0">
-              <a:buFontTx/>
-              <a:buNone/>
-            </a:pPr>
-            <a:endParaRPr lang="sv-SE" baseline="0" dirty="0"/>
-          </a:p>
-        </p:txBody>
-      </p:sp>
-      <p:sp>
-        <p:nvSpPr>
-          <p:cNvPr id="4" name="Slide Number Placeholder 3"/>
-          <p:cNvSpPr>
-            <a:spLocks noGrp="1"/>
-          </p:cNvSpPr>
-          <p:nvPr>
-            <p:ph type="sldNum" sz="quarter" idx="10"/>
-          </p:nvPr>
-        </p:nvSpPr>
-        <p:spPr/>
-        <p:txBody>
-          <a:bodyPr/>
-          <a:lstStyle/>
-          <a:p>
-            <a:pPr>
-              <a:defRPr/>
-            </a:pPr>
-            <a:fld id="{EE811775-299A-4959-BF5A-5DFB3E75F6AC}" type="slidenum">
-              <a:rPr lang="sv-SE" smtClean="0"/>
-              <a:pPr>
-                <a:defRPr/>
-              </a:pPr>
-              <a:t>13</a:t>
-            </a:fld>
-            <a:endParaRPr lang="sv-SE" dirty="0"/>
-          </a:p>
-        </p:txBody>
-      </p:sp>
-    </p:spTree>
-    <p:extLst>
-      <p:ext uri="{BB962C8B-B14F-4D97-AF65-F5344CB8AC3E}">
-        <p14:creationId xmlns:p14="http://schemas.microsoft.com/office/powerpoint/2010/main" val="94735723"/>
-      </p:ext>
-    </p:extLst>
-  </p:cSld>
-  <p:clrMapOvr>
-    <a:masterClrMapping/>
-  </p:clrMapOvr>
-</p:notes>
-</file>
-
-<file path=ppt/notesSlides/notesSlide14.xml><?xml version="1.0" encoding="utf-8"?>
-<p:notes xmlns:a="http://schemas.openxmlformats.org/drawingml/2006/main" xmlns:r="http://schemas.openxmlformats.org/officeDocument/2006/relationships" xmlns:p="http://schemas.openxmlformats.org/presentationml/2006/main">
-  <p:cSld>
-    <p:spTree>
-      <p:nvGrpSpPr>
-        <p:cNvPr id="1" name=""/>
-        <p:cNvGrpSpPr/>
-        <p:nvPr/>
-      </p:nvGrpSpPr>
-      <p:grpSpPr>
-        <a:xfrm>
-          <a:off x="0" y="0"/>
-          <a:ext cx="0" cy="0"/>
-          <a:chOff x="0" y="0"/>
-          <a:chExt cx="0" cy="0"/>
-        </a:xfrm>
-      </p:grpSpPr>
-      <p:sp>
-        <p:nvSpPr>
-          <p:cNvPr id="2" name="Slide Image Placeholder 1"/>
-          <p:cNvSpPr>
-            <a:spLocks noGrp="1" noRot="1" noChangeAspect="1"/>
-          </p:cNvSpPr>
-          <p:nvPr>
-            <p:ph type="sldImg"/>
-          </p:nvPr>
-        </p:nvSpPr>
-        <p:spPr/>
-      </p:sp>
-      <p:sp>
-        <p:nvSpPr>
-          <p:cNvPr id="3" name="Notes Placeholder 2"/>
-          <p:cNvSpPr>
-            <a:spLocks noGrp="1"/>
-          </p:cNvSpPr>
-          <p:nvPr>
-            <p:ph type="body" idx="1"/>
-          </p:nvPr>
-        </p:nvSpPr>
-        <p:spPr/>
-        <p:txBody>
-          <a:bodyPr/>
-          <a:lstStyle/>
-          <a:p>
-            <a:pPr marL="0" indent="0">
-              <a:buFontTx/>
-              <a:buNone/>
-            </a:pPr>
-            <a:r>
-              <a:rPr lang="pt-BR" baseline="0" dirty="0"/>
-              <a:t>MONK-1:[0.22966666666666766, 0.20432175925925977, 0.18207175925925945, 0.16065509259259253, 0.14768750000000003, 0.1408541666666667]</a:t>
-            </a:r>
-          </a:p>
-          <a:p>
-            <a:pPr marL="0" indent="0">
-              <a:buFontTx/>
-              <a:buNone/>
-            </a:pPr>
-            <a:r>
-              <a:rPr lang="pt-BR" baseline="0" dirty="0"/>
-              <a:t>MONK-3:[0.08478935185185184, 0.06153009259259309, 0.04887962962962988, 0.04329629629629651, 0.04385648148148173, 0.04862037037037069]</a:t>
-            </a:r>
-            <a:endParaRPr lang="sv-SE" baseline="0" dirty="0"/>
-          </a:p>
-        </p:txBody>
-      </p:sp>
-      <p:sp>
-        <p:nvSpPr>
-          <p:cNvPr id="4" name="Slide Number Placeholder 3"/>
-          <p:cNvSpPr>
-            <a:spLocks noGrp="1"/>
-          </p:cNvSpPr>
-          <p:nvPr>
-            <p:ph type="sldNum" sz="quarter" idx="10"/>
-          </p:nvPr>
-        </p:nvSpPr>
-        <p:spPr/>
-        <p:txBody>
-          <a:bodyPr/>
-          <a:lstStyle/>
-          <a:p>
-            <a:pPr>
-              <a:defRPr/>
-            </a:pPr>
-            <a:fld id="{EE811775-299A-4959-BF5A-5DFB3E75F6AC}" type="slidenum">
-              <a:rPr lang="sv-SE" smtClean="0"/>
-              <a:pPr>
-                <a:defRPr/>
-              </a:pPr>
-              <a:t>14</a:t>
-            </a:fld>
-            <a:endParaRPr lang="sv-SE" dirty="0"/>
-          </a:p>
-        </p:txBody>
-      </p:sp>
-    </p:spTree>
-    <p:extLst>
-      <p:ext uri="{BB962C8B-B14F-4D97-AF65-F5344CB8AC3E}">
-        <p14:creationId xmlns:p14="http://schemas.microsoft.com/office/powerpoint/2010/main" val="238480502"/>
-      </p:ext>
-    </p:extLst>
-  </p:cSld>
-  <p:clrMapOvr>
-    <a:masterClrMapping/>
-  </p:clrMapOvr>
-</p:notes>
-</file>
-
-<file path=ppt/notesSlides/notesSlide15.xml><?xml version="1.0" encoding="utf-8"?>
-<p:notes xmlns:a="http://schemas.openxmlformats.org/drawingml/2006/main" xmlns:r="http://schemas.openxmlformats.org/officeDocument/2006/relationships" xmlns:p="http://schemas.openxmlformats.org/presentationml/2006/main">
-  <p:cSld>
-    <p:spTree>
-      <p:nvGrpSpPr>
-        <p:cNvPr id="1" name=""/>
-        <p:cNvGrpSpPr/>
-        <p:nvPr/>
-      </p:nvGrpSpPr>
-      <p:grpSpPr>
-        <a:xfrm>
-          <a:off x="0" y="0"/>
-          <a:ext cx="0" cy="0"/>
-          <a:chOff x="0" y="0"/>
-          <a:chExt cx="0" cy="0"/>
-        </a:xfrm>
-      </p:grpSpPr>
-      <p:sp>
-        <p:nvSpPr>
-          <p:cNvPr id="2" name="Slide Image Placeholder 1"/>
-          <p:cNvSpPr>
-            <a:spLocks noGrp="1" noRot="1" noChangeAspect="1"/>
-          </p:cNvSpPr>
-          <p:nvPr>
-            <p:ph type="sldImg"/>
-          </p:nvPr>
-        </p:nvSpPr>
-        <p:spPr/>
-      </p:sp>
-      <p:sp>
-        <p:nvSpPr>
-          <p:cNvPr id="3" name="Notes Placeholder 2"/>
-          <p:cNvSpPr>
-            <a:spLocks noGrp="1"/>
-          </p:cNvSpPr>
-          <p:nvPr>
-            <p:ph type="body" idx="1"/>
-          </p:nvPr>
-        </p:nvSpPr>
-        <p:spPr/>
-        <p:txBody>
-          <a:bodyPr/>
-          <a:lstStyle/>
-          <a:p>
-            <a:pPr marL="0" indent="0">
-              <a:buFontTx/>
-              <a:buNone/>
-            </a:pPr>
-            <a:endParaRPr lang="sv-SE" baseline="0" dirty="0"/>
-          </a:p>
-        </p:txBody>
-      </p:sp>
-      <p:sp>
-        <p:nvSpPr>
-          <p:cNvPr id="4" name="Slide Number Placeholder 3"/>
-          <p:cNvSpPr>
-            <a:spLocks noGrp="1"/>
-          </p:cNvSpPr>
-          <p:nvPr>
-            <p:ph type="sldNum" sz="quarter" idx="10"/>
-          </p:nvPr>
-        </p:nvSpPr>
-        <p:spPr/>
-        <p:txBody>
-          <a:bodyPr/>
-          <a:lstStyle/>
-          <a:p>
-            <a:pPr>
-              <a:defRPr/>
-            </a:pPr>
-            <a:fld id="{EE811775-299A-4959-BF5A-5DFB3E75F6AC}" type="slidenum">
-              <a:rPr lang="sv-SE" smtClean="0"/>
-              <a:pPr>
-                <a:defRPr/>
-              </a:pPr>
-              <a:t>15</a:t>
-            </a:fld>
-            <a:endParaRPr lang="sv-SE" dirty="0"/>
-          </a:p>
-        </p:txBody>
-      </p:sp>
-    </p:spTree>
-    <p:extLst>
-      <p:ext uri="{BB962C8B-B14F-4D97-AF65-F5344CB8AC3E}">
-        <p14:creationId xmlns:p14="http://schemas.microsoft.com/office/powerpoint/2010/main" val="277694999"/>
-      </p:ext>
-    </p:extLst>
-  </p:cSld>
-  <p:clrMapOvr>
-    <a:masterClrMapping/>
-  </p:clrMapOvr>
-</p:notes>
-</file>
-
 <file path=ppt/notesSlides/notesSlide2.xml><?xml version="1.0" encoding="utf-8"?>
 <p:notes xmlns:a="http://schemas.openxmlformats.org/drawingml/2006/main" xmlns:r="http://schemas.openxmlformats.org/officeDocument/2006/relationships" xmlns:p="http://schemas.openxmlformats.org/presentationml/2006/main">
   <p:cSld>
@@ -2041,288 +1454,6 @@
     <p:extLst>
       <p:ext uri="{BB962C8B-B14F-4D97-AF65-F5344CB8AC3E}">
         <p14:creationId xmlns:p14="http://schemas.microsoft.com/office/powerpoint/2010/main" val="559510738"/>
-      </p:ext>
-    </p:extLst>
-  </p:cSld>
-  <p:clrMapOvr>
-    <a:masterClrMapping/>
-  </p:clrMapOvr>
-</p:notes>
-</file>
-
-<file path=ppt/notesSlides/notesSlide7.xml><?xml version="1.0" encoding="utf-8"?>
-<p:notes xmlns:a="http://schemas.openxmlformats.org/drawingml/2006/main" xmlns:r="http://schemas.openxmlformats.org/officeDocument/2006/relationships" xmlns:p="http://schemas.openxmlformats.org/presentationml/2006/main">
-  <p:cSld>
-    <p:spTree>
-      <p:nvGrpSpPr>
-        <p:cNvPr id="1" name=""/>
-        <p:cNvGrpSpPr/>
-        <p:nvPr/>
-      </p:nvGrpSpPr>
-      <p:grpSpPr>
-        <a:xfrm>
-          <a:off x="0" y="0"/>
-          <a:ext cx="0" cy="0"/>
-          <a:chOff x="0" y="0"/>
-          <a:chExt cx="0" cy="0"/>
-        </a:xfrm>
-      </p:grpSpPr>
-      <p:sp>
-        <p:nvSpPr>
-          <p:cNvPr id="2" name="Slide Image Placeholder 1"/>
-          <p:cNvSpPr>
-            <a:spLocks noGrp="1" noRot="1" noChangeAspect="1"/>
-          </p:cNvSpPr>
-          <p:nvPr>
-            <p:ph type="sldImg"/>
-          </p:nvPr>
-        </p:nvSpPr>
-        <p:spPr/>
-      </p:sp>
-      <p:sp>
-        <p:nvSpPr>
-          <p:cNvPr id="3" name="Notes Placeholder 2"/>
-          <p:cNvSpPr>
-            <a:spLocks noGrp="1"/>
-          </p:cNvSpPr>
-          <p:nvPr>
-            <p:ph type="body" idx="1"/>
-          </p:nvPr>
-        </p:nvSpPr>
-        <p:spPr/>
-        <p:txBody>
-          <a:bodyPr/>
-          <a:lstStyle/>
-          <a:p>
-            <a:pPr marL="0" indent="0">
-              <a:buFontTx/>
-              <a:buNone/>
-            </a:pPr>
-            <a:endParaRPr lang="sv-SE" baseline="0" dirty="0"/>
-          </a:p>
-        </p:txBody>
-      </p:sp>
-      <p:sp>
-        <p:nvSpPr>
-          <p:cNvPr id="4" name="Slide Number Placeholder 3"/>
-          <p:cNvSpPr>
-            <a:spLocks noGrp="1"/>
-          </p:cNvSpPr>
-          <p:nvPr>
-            <p:ph type="sldNum" sz="quarter" idx="10"/>
-          </p:nvPr>
-        </p:nvSpPr>
-        <p:spPr/>
-        <p:txBody>
-          <a:bodyPr/>
-          <a:lstStyle/>
-          <a:p>
-            <a:pPr>
-              <a:defRPr/>
-            </a:pPr>
-            <a:fld id="{EE811775-299A-4959-BF5A-5DFB3E75F6AC}" type="slidenum">
-              <a:rPr lang="sv-SE" smtClean="0"/>
-              <a:pPr>
-                <a:defRPr/>
-              </a:pPr>
-              <a:t>7</a:t>
-            </a:fld>
-            <a:endParaRPr lang="sv-SE" dirty="0"/>
-          </a:p>
-        </p:txBody>
-      </p:sp>
-    </p:spTree>
-    <p:extLst>
-      <p:ext uri="{BB962C8B-B14F-4D97-AF65-F5344CB8AC3E}">
-        <p14:creationId xmlns:p14="http://schemas.microsoft.com/office/powerpoint/2010/main" val="919954989"/>
-      </p:ext>
-    </p:extLst>
-  </p:cSld>
-  <p:clrMapOvr>
-    <a:masterClrMapping/>
-  </p:clrMapOvr>
-</p:notes>
-</file>
-
-<file path=ppt/notesSlides/notesSlide8.xml><?xml version="1.0" encoding="utf-8"?>
-<p:notes xmlns:a="http://schemas.openxmlformats.org/drawingml/2006/main" xmlns:r="http://schemas.openxmlformats.org/officeDocument/2006/relationships" xmlns:p="http://schemas.openxmlformats.org/presentationml/2006/main">
-  <p:cSld>
-    <p:spTree>
-      <p:nvGrpSpPr>
-        <p:cNvPr id="1" name=""/>
-        <p:cNvGrpSpPr/>
-        <p:nvPr/>
-      </p:nvGrpSpPr>
-      <p:grpSpPr>
-        <a:xfrm>
-          <a:off x="0" y="0"/>
-          <a:ext cx="0" cy="0"/>
-          <a:chOff x="0" y="0"/>
-          <a:chExt cx="0" cy="0"/>
-        </a:xfrm>
-      </p:grpSpPr>
-      <p:sp>
-        <p:nvSpPr>
-          <p:cNvPr id="2" name="Slide Image Placeholder 1"/>
-          <p:cNvSpPr>
-            <a:spLocks noGrp="1" noRot="1" noChangeAspect="1"/>
-          </p:cNvSpPr>
-          <p:nvPr>
-            <p:ph type="sldImg"/>
-          </p:nvPr>
-        </p:nvSpPr>
-        <p:spPr/>
-      </p:sp>
-      <p:sp>
-        <p:nvSpPr>
-          <p:cNvPr id="3" name="Notes Placeholder 2"/>
-          <p:cNvSpPr>
-            <a:spLocks noGrp="1"/>
-          </p:cNvSpPr>
-          <p:nvPr>
-            <p:ph type="body" idx="1"/>
-          </p:nvPr>
-        </p:nvSpPr>
-        <p:spPr/>
-        <p:txBody>
-          <a:bodyPr/>
-          <a:lstStyle/>
-          <a:p>
-            <a:pPr marL="0" indent="0">
-              <a:buFontTx/>
-              <a:buNone/>
-            </a:pPr>
-            <a:endParaRPr lang="sv-SE" baseline="0" dirty="0"/>
-          </a:p>
-        </p:txBody>
-      </p:sp>
-      <p:sp>
-        <p:nvSpPr>
-          <p:cNvPr id="4" name="Slide Number Placeholder 3"/>
-          <p:cNvSpPr>
-            <a:spLocks noGrp="1"/>
-          </p:cNvSpPr>
-          <p:nvPr>
-            <p:ph type="sldNum" sz="quarter" idx="10"/>
-          </p:nvPr>
-        </p:nvSpPr>
-        <p:spPr/>
-        <p:txBody>
-          <a:bodyPr/>
-          <a:lstStyle/>
-          <a:p>
-            <a:pPr>
-              <a:defRPr/>
-            </a:pPr>
-            <a:fld id="{EE811775-299A-4959-BF5A-5DFB3E75F6AC}" type="slidenum">
-              <a:rPr lang="sv-SE" smtClean="0"/>
-              <a:pPr>
-                <a:defRPr/>
-              </a:pPr>
-              <a:t>8</a:t>
-            </a:fld>
-            <a:endParaRPr lang="sv-SE" dirty="0"/>
-          </a:p>
-        </p:txBody>
-      </p:sp>
-    </p:spTree>
-    <p:extLst>
-      <p:ext uri="{BB962C8B-B14F-4D97-AF65-F5344CB8AC3E}">
-        <p14:creationId xmlns:p14="http://schemas.microsoft.com/office/powerpoint/2010/main" val="314408342"/>
-      </p:ext>
-    </p:extLst>
-  </p:cSld>
-  <p:clrMapOvr>
-    <a:masterClrMapping/>
-  </p:clrMapOvr>
-</p:notes>
-</file>
-
-<file path=ppt/notesSlides/notesSlide9.xml><?xml version="1.0" encoding="utf-8"?>
-<p:notes xmlns:a="http://schemas.openxmlformats.org/drawingml/2006/main" xmlns:r="http://schemas.openxmlformats.org/officeDocument/2006/relationships" xmlns:p="http://schemas.openxmlformats.org/presentationml/2006/main">
-  <p:cSld>
-    <p:spTree>
-      <p:nvGrpSpPr>
-        <p:cNvPr id="1" name=""/>
-        <p:cNvGrpSpPr/>
-        <p:nvPr/>
-      </p:nvGrpSpPr>
-      <p:grpSpPr>
-        <a:xfrm>
-          <a:off x="0" y="0"/>
-          <a:ext cx="0" cy="0"/>
-          <a:chOff x="0" y="0"/>
-          <a:chExt cx="0" cy="0"/>
-        </a:xfrm>
-      </p:grpSpPr>
-      <p:sp>
-        <p:nvSpPr>
-          <p:cNvPr id="2" name="Slide Image Placeholder 1"/>
-          <p:cNvSpPr>
-            <a:spLocks noGrp="1" noRot="1" noChangeAspect="1"/>
-          </p:cNvSpPr>
-          <p:nvPr>
-            <p:ph type="sldImg"/>
-          </p:nvPr>
-        </p:nvSpPr>
-        <p:spPr/>
-      </p:sp>
-      <p:sp>
-        <p:nvSpPr>
-          <p:cNvPr id="3" name="Notes Placeholder 2"/>
-          <p:cNvSpPr>
-            <a:spLocks noGrp="1"/>
-          </p:cNvSpPr>
-          <p:nvPr>
-            <p:ph type="body" idx="1"/>
-          </p:nvPr>
-        </p:nvSpPr>
-        <p:spPr/>
-        <p:txBody>
-          <a:bodyPr/>
-          <a:lstStyle/>
-          <a:p>
-            <a:pPr marL="0" indent="0">
-              <a:buFontTx/>
-              <a:buNone/>
-            </a:pPr>
-            <a:endParaRPr lang="sv-SE" baseline="0" dirty="0"/>
-          </a:p>
-        </p:txBody>
-      </p:sp>
-      <p:sp>
-        <p:nvSpPr>
-          <p:cNvPr id="4" name="Slide Number Placeholder 3"/>
-          <p:cNvSpPr>
-            <a:spLocks noGrp="1"/>
-          </p:cNvSpPr>
-          <p:nvPr>
-            <p:ph type="sldNum" sz="quarter" idx="10"/>
-          </p:nvPr>
-        </p:nvSpPr>
-        <p:spPr/>
-        <p:txBody>
-          <a:bodyPr/>
-          <a:lstStyle/>
-          <a:p>
-            <a:pPr>
-              <a:defRPr/>
-            </a:pPr>
-            <a:fld id="{EE811775-299A-4959-BF5A-5DFB3E75F6AC}" type="slidenum">
-              <a:rPr lang="sv-SE" smtClean="0"/>
-              <a:pPr>
-                <a:defRPr/>
-              </a:pPr>
-              <a:t>9</a:t>
-            </a:fld>
-            <a:endParaRPr lang="sv-SE" dirty="0"/>
-          </a:p>
-        </p:txBody>
-      </p:sp>
-    </p:spTree>
-    <p:extLst>
-      <p:ext uri="{BB962C8B-B14F-4D97-AF65-F5344CB8AC3E}">
-        <p14:creationId xmlns:p14="http://schemas.microsoft.com/office/powerpoint/2010/main" val="1182653413"/>
       </p:ext>
     </p:extLst>
   </p:cSld>
@@ -11354,1525 +10485,6 @@
 </p:sld>
 </file>
 
-<file path=ppt/slides/slide10.xml><?xml version="1.0" encoding="utf-8"?>
-<p:sld xmlns:a="http://schemas.openxmlformats.org/drawingml/2006/main" xmlns:r="http://schemas.openxmlformats.org/officeDocument/2006/relationships" xmlns:p="http://schemas.openxmlformats.org/presentationml/2006/main">
-  <p:cSld>
-    <p:spTree>
-      <p:nvGrpSpPr>
-        <p:cNvPr id="1" name=""/>
-        <p:cNvGrpSpPr/>
-        <p:nvPr/>
-      </p:nvGrpSpPr>
-      <p:grpSpPr>
-        <a:xfrm>
-          <a:off x="0" y="0"/>
-          <a:ext cx="0" cy="0"/>
-          <a:chOff x="0" y="0"/>
-          <a:chExt cx="0" cy="0"/>
-        </a:xfrm>
-      </p:grpSpPr>
-      <p:sp>
-        <p:nvSpPr>
-          <p:cNvPr id="8" name="Rubrik 7">
-            <a:extLst>
-              <a:ext uri="{FF2B5EF4-FFF2-40B4-BE49-F238E27FC236}">
-                <a16:creationId xmlns:a16="http://schemas.microsoft.com/office/drawing/2014/main" id="{D137FBB1-2CF8-DC42-AF7B-28C21A52B951}"/>
-              </a:ext>
-            </a:extLst>
-          </p:cNvPr>
-          <p:cNvSpPr>
-            <a:spLocks noGrp="1"/>
-          </p:cNvSpPr>
-          <p:nvPr>
-            <p:ph type="title"/>
-          </p:nvPr>
-        </p:nvSpPr>
-        <p:spPr/>
-        <p:txBody>
-          <a:bodyPr/>
-          <a:lstStyle/>
-          <a:p>
-            <a:r>
-              <a:rPr lang="en-US" altLang="zh-CN" dirty="0"/>
-              <a:t>Lab 1 Decision Tree</a:t>
-            </a:r>
-            <a:endParaRPr lang="en-GB" dirty="0"/>
-          </a:p>
-        </p:txBody>
-      </p:sp>
-      <p:sp>
-        <p:nvSpPr>
-          <p:cNvPr id="3" name="Platshållare för datum 2">
-            <a:extLst>
-              <a:ext uri="{FF2B5EF4-FFF2-40B4-BE49-F238E27FC236}">
-                <a16:creationId xmlns:a16="http://schemas.microsoft.com/office/drawing/2014/main" id="{C9D9A0CA-3DFF-E14B-955C-91D3537F0167}"/>
-              </a:ext>
-            </a:extLst>
-          </p:cNvPr>
-          <p:cNvSpPr>
-            <a:spLocks noGrp="1"/>
-          </p:cNvSpPr>
-          <p:nvPr>
-            <p:ph type="dt" sz="half" idx="11"/>
-          </p:nvPr>
-        </p:nvSpPr>
-        <p:spPr/>
-        <p:txBody>
-          <a:bodyPr/>
-          <a:lstStyle/>
-          <a:p>
-            <a:r>
-              <a:rPr lang="en-GB" dirty="0"/>
-              <a:t>2019-09-13</a:t>
-            </a:r>
-          </a:p>
-        </p:txBody>
-      </p:sp>
-      <p:sp>
-        <p:nvSpPr>
-          <p:cNvPr id="4" name="Platshållare för bildnummer 3">
-            <a:extLst>
-              <a:ext uri="{FF2B5EF4-FFF2-40B4-BE49-F238E27FC236}">
-                <a16:creationId xmlns:a16="http://schemas.microsoft.com/office/drawing/2014/main" id="{8AFF2BC0-9FEF-9C45-9CE0-40DC8A6BD12D}"/>
-              </a:ext>
-            </a:extLst>
-          </p:cNvPr>
-          <p:cNvSpPr>
-            <a:spLocks noGrp="1"/>
-          </p:cNvSpPr>
-          <p:nvPr>
-            <p:ph type="sldNum" sz="quarter" idx="12"/>
-          </p:nvPr>
-        </p:nvSpPr>
-        <p:spPr/>
-        <p:txBody>
-          <a:bodyPr/>
-          <a:lstStyle/>
-          <a:p>
-            <a:fld id="{C338348D-F2D3-AB47-AE2A-1D59B1E58D64}" type="slidenum">
-              <a:rPr lang="en-GB" smtClean="0"/>
-              <a:pPr/>
-              <a:t>10</a:t>
-            </a:fld>
-            <a:endParaRPr lang="en-GB" dirty="0"/>
-          </a:p>
-        </p:txBody>
-      </p:sp>
-      <p:sp>
-        <p:nvSpPr>
-          <p:cNvPr id="2" name="文本框 1"/>
-          <p:cNvSpPr txBox="1"/>
-          <p:nvPr/>
-        </p:nvSpPr>
-        <p:spPr>
-          <a:xfrm>
-            <a:off x="1957892" y="1301675"/>
-            <a:ext cx="184731" cy="369332"/>
-          </a:xfrm>
-          <a:prstGeom prst="rect">
-            <a:avLst/>
-          </a:prstGeom>
-          <a:noFill/>
-        </p:spPr>
-        <p:txBody>
-          <a:bodyPr wrap="none" rtlCol="0">
-            <a:spAutoFit/>
-          </a:bodyPr>
-          <a:lstStyle/>
-          <a:p>
-            <a:endParaRPr kumimoji="1" lang="zh-CN" altLang="en-US" dirty="0"/>
-          </a:p>
-        </p:txBody>
-      </p:sp>
-      <p:sp>
-        <p:nvSpPr>
-          <p:cNvPr id="6" name="文本框 5"/>
-          <p:cNvSpPr txBox="1"/>
-          <p:nvPr/>
-        </p:nvSpPr>
-        <p:spPr>
-          <a:xfrm>
-            <a:off x="3583176" y="873623"/>
-            <a:ext cx="1817613" cy="369332"/>
-          </a:xfrm>
-          <a:prstGeom prst="rect">
-            <a:avLst/>
-          </a:prstGeom>
-          <a:noFill/>
-        </p:spPr>
-        <p:txBody>
-          <a:bodyPr wrap="none" rtlCol="0">
-            <a:spAutoFit/>
-          </a:bodyPr>
-          <a:lstStyle/>
-          <a:p>
-            <a:r>
-              <a:rPr kumimoji="1" lang="en-US" altLang="zh-CN" dirty="0"/>
-              <a:t>Tree for Monk-3</a:t>
-            </a:r>
-            <a:endParaRPr kumimoji="1" lang="zh-CN" altLang="en-US" dirty="0"/>
-          </a:p>
-        </p:txBody>
-      </p:sp>
-      <p:pic>
-        <p:nvPicPr>
-          <p:cNvPr id="5" name="图片 4"/>
-          <p:cNvPicPr>
-            <a:picLocks noChangeAspect="1"/>
-          </p:cNvPicPr>
-          <p:nvPr/>
-        </p:nvPicPr>
-        <p:blipFill>
-          <a:blip r:embed="rId3"/>
-          <a:stretch>
-            <a:fillRect/>
-          </a:stretch>
-        </p:blipFill>
-        <p:spPr>
-          <a:xfrm>
-            <a:off x="2918938" y="1317573"/>
-            <a:ext cx="3146087" cy="3240000"/>
-          </a:xfrm>
-          <a:prstGeom prst="rect">
-            <a:avLst/>
-          </a:prstGeom>
-        </p:spPr>
-      </p:pic>
-    </p:spTree>
-    <p:extLst>
-      <p:ext uri="{BB962C8B-B14F-4D97-AF65-F5344CB8AC3E}">
-        <p14:creationId xmlns:p14="http://schemas.microsoft.com/office/powerpoint/2010/main" val="1931887693"/>
-      </p:ext>
-    </p:extLst>
-  </p:cSld>
-  <p:clrMapOvr>
-    <a:masterClrMapping/>
-  </p:clrMapOvr>
-  <mc:AlternateContent xmlns:mc="http://schemas.openxmlformats.org/markup-compatibility/2006" xmlns:p14="http://schemas.microsoft.com/office/powerpoint/2010/main">
-    <mc:Choice Requires="p14">
-      <p:transition spd="med" p14:dur="700">
-        <p:fade/>
-      </p:transition>
-    </mc:Choice>
-    <mc:Fallback xmlns="">
-      <p:transition spd="med">
-        <p:fade/>
-      </p:transition>
-    </mc:Fallback>
-  </mc:AlternateContent>
-</p:sld>
-</file>
-
-<file path=ppt/slides/slide11.xml><?xml version="1.0" encoding="utf-8"?>
-<p:sld xmlns:a="http://schemas.openxmlformats.org/drawingml/2006/main" xmlns:r="http://schemas.openxmlformats.org/officeDocument/2006/relationships" xmlns:p="http://schemas.openxmlformats.org/presentationml/2006/main">
-  <p:cSld>
-    <p:spTree>
-      <p:nvGrpSpPr>
-        <p:cNvPr id="1" name=""/>
-        <p:cNvGrpSpPr/>
-        <p:nvPr/>
-      </p:nvGrpSpPr>
-      <p:grpSpPr>
-        <a:xfrm>
-          <a:off x="0" y="0"/>
-          <a:ext cx="0" cy="0"/>
-          <a:chOff x="0" y="0"/>
-          <a:chExt cx="0" cy="0"/>
-        </a:xfrm>
-      </p:grpSpPr>
-      <p:sp>
-        <p:nvSpPr>
-          <p:cNvPr id="8" name="Rubrik 7">
-            <a:extLst>
-              <a:ext uri="{FF2B5EF4-FFF2-40B4-BE49-F238E27FC236}">
-                <a16:creationId xmlns:a16="http://schemas.microsoft.com/office/drawing/2014/main" id="{D137FBB1-2CF8-DC42-AF7B-28C21A52B951}"/>
-              </a:ext>
-            </a:extLst>
-          </p:cNvPr>
-          <p:cNvSpPr>
-            <a:spLocks noGrp="1"/>
-          </p:cNvSpPr>
-          <p:nvPr>
-            <p:ph type="title"/>
-          </p:nvPr>
-        </p:nvSpPr>
-        <p:spPr/>
-        <p:txBody>
-          <a:bodyPr/>
-          <a:lstStyle/>
-          <a:p>
-            <a:r>
-              <a:rPr lang="en-US" altLang="zh-CN" dirty="0"/>
-              <a:t>Lab 1 Decision Tree</a:t>
-            </a:r>
-            <a:endParaRPr lang="en-GB" dirty="0"/>
-          </a:p>
-        </p:txBody>
-      </p:sp>
-      <p:sp>
-        <p:nvSpPr>
-          <p:cNvPr id="3" name="Platshållare för datum 2">
-            <a:extLst>
-              <a:ext uri="{FF2B5EF4-FFF2-40B4-BE49-F238E27FC236}">
-                <a16:creationId xmlns:a16="http://schemas.microsoft.com/office/drawing/2014/main" id="{C9D9A0CA-3DFF-E14B-955C-91D3537F0167}"/>
-              </a:ext>
-            </a:extLst>
-          </p:cNvPr>
-          <p:cNvSpPr>
-            <a:spLocks noGrp="1"/>
-          </p:cNvSpPr>
-          <p:nvPr>
-            <p:ph type="dt" sz="half" idx="11"/>
-          </p:nvPr>
-        </p:nvSpPr>
-        <p:spPr/>
-        <p:txBody>
-          <a:bodyPr/>
-          <a:lstStyle/>
-          <a:p>
-            <a:r>
-              <a:rPr lang="en-GB" dirty="0"/>
-              <a:t>2019-09-13</a:t>
-            </a:r>
-          </a:p>
-        </p:txBody>
-      </p:sp>
-      <p:sp>
-        <p:nvSpPr>
-          <p:cNvPr id="4" name="Platshållare för bildnummer 3">
-            <a:extLst>
-              <a:ext uri="{FF2B5EF4-FFF2-40B4-BE49-F238E27FC236}">
-                <a16:creationId xmlns:a16="http://schemas.microsoft.com/office/drawing/2014/main" id="{8AFF2BC0-9FEF-9C45-9CE0-40DC8A6BD12D}"/>
-              </a:ext>
-            </a:extLst>
-          </p:cNvPr>
-          <p:cNvSpPr>
-            <a:spLocks noGrp="1"/>
-          </p:cNvSpPr>
-          <p:nvPr>
-            <p:ph type="sldNum" sz="quarter" idx="12"/>
-          </p:nvPr>
-        </p:nvSpPr>
-        <p:spPr/>
-        <p:txBody>
-          <a:bodyPr/>
-          <a:lstStyle/>
-          <a:p>
-            <a:fld id="{C338348D-F2D3-AB47-AE2A-1D59B1E58D64}" type="slidenum">
-              <a:rPr lang="en-GB" smtClean="0"/>
-              <a:pPr/>
-              <a:t>11</a:t>
-            </a:fld>
-            <a:endParaRPr lang="en-GB" dirty="0"/>
-          </a:p>
-        </p:txBody>
-      </p:sp>
-      <p:pic>
-        <p:nvPicPr>
-          <p:cNvPr id="2" name="图片 1"/>
-          <p:cNvPicPr>
-            <a:picLocks noChangeAspect="1"/>
-          </p:cNvPicPr>
-          <p:nvPr/>
-        </p:nvPicPr>
-        <p:blipFill>
-          <a:blip r:embed="rId3"/>
-          <a:stretch>
-            <a:fillRect/>
-          </a:stretch>
-        </p:blipFill>
-        <p:spPr>
-          <a:xfrm>
-            <a:off x="1060463" y="925626"/>
-            <a:ext cx="7200000" cy="945295"/>
-          </a:xfrm>
-          <a:prstGeom prst="rect">
-            <a:avLst/>
-          </a:prstGeom>
-        </p:spPr>
-      </p:pic>
-      <p:graphicFrame>
-        <p:nvGraphicFramePr>
-          <p:cNvPr id="6" name="表格 5"/>
-          <p:cNvGraphicFramePr>
-            <a:graphicFrameLocks noGrp="1"/>
-          </p:cNvGraphicFramePr>
-          <p:nvPr>
-            <p:extLst>
-              <p:ext uri="{D42A27DB-BD31-4B8C-83A1-F6EECF244321}">
-                <p14:modId xmlns:p14="http://schemas.microsoft.com/office/powerpoint/2010/main" val="973438096"/>
-              </p:ext>
-            </p:extLst>
-          </p:nvPr>
-        </p:nvGraphicFramePr>
-        <p:xfrm>
-          <a:off x="250825" y="2463547"/>
-          <a:ext cx="8642352" cy="2286000"/>
-        </p:xfrm>
-        <a:graphic>
-          <a:graphicData uri="http://schemas.openxmlformats.org/drawingml/2006/table">
-            <a:tbl>
-              <a:tblPr firstRow="1" bandRow="1">
-                <a:tableStyleId>{5C22544A-7EE6-4342-B048-85BDC9FD1C3A}</a:tableStyleId>
-              </a:tblPr>
-              <a:tblGrid>
-                <a:gridCol w="1104639">
-                  <a:extLst>
-                    <a:ext uri="{9D8B030D-6E8A-4147-A177-3AD203B41FA5}">
-                      <a16:colId xmlns:a16="http://schemas.microsoft.com/office/drawing/2014/main" val="20000"/>
-                    </a:ext>
-                  </a:extLst>
-                </a:gridCol>
-                <a:gridCol w="2441985">
-                  <a:extLst>
-                    <a:ext uri="{9D8B030D-6E8A-4147-A177-3AD203B41FA5}">
-                      <a16:colId xmlns:a16="http://schemas.microsoft.com/office/drawing/2014/main" val="20001"/>
-                    </a:ext>
-                  </a:extLst>
-                </a:gridCol>
-                <a:gridCol w="2624866">
-                  <a:extLst>
-                    <a:ext uri="{9D8B030D-6E8A-4147-A177-3AD203B41FA5}">
-                      <a16:colId xmlns:a16="http://schemas.microsoft.com/office/drawing/2014/main" val="20002"/>
-                    </a:ext>
-                  </a:extLst>
-                </a:gridCol>
-                <a:gridCol w="2470862">
-                  <a:extLst>
-                    <a:ext uri="{9D8B030D-6E8A-4147-A177-3AD203B41FA5}">
-                      <a16:colId xmlns:a16="http://schemas.microsoft.com/office/drawing/2014/main" val="20003"/>
-                    </a:ext>
-                  </a:extLst>
-                </a:gridCol>
-              </a:tblGrid>
-              <a:tr h="0">
-                <a:tc>
-                  <a:txBody>
-                    <a:bodyPr/>
-                    <a:lstStyle/>
-                    <a:p>
-                      <a:r>
-                        <a:rPr lang="en-US" altLang="zh-CN" dirty="0"/>
-                        <a:t>Dataset</a:t>
-                      </a:r>
-                      <a:endParaRPr lang="zh-CN" altLang="en-US" dirty="0"/>
-                    </a:p>
-                  </a:txBody>
-                  <a:tcPr/>
-                </a:tc>
-                <a:tc>
-                  <a:txBody>
-                    <a:bodyPr/>
-                    <a:lstStyle/>
-                    <a:p>
-                      <a:r>
-                        <a:rPr lang="en-US" altLang="zh-CN" dirty="0"/>
-                        <a:t>Train(after)</a:t>
-                      </a:r>
-                      <a:endParaRPr lang="zh-CN" altLang="en-US" dirty="0"/>
-                    </a:p>
-                  </a:txBody>
-                  <a:tcPr/>
-                </a:tc>
-                <a:tc>
-                  <a:txBody>
-                    <a:bodyPr/>
-                    <a:lstStyle/>
-                    <a:p>
-                      <a:r>
-                        <a:rPr lang="en-US" altLang="zh-CN" dirty="0"/>
-                        <a:t>Validation(before/after)</a:t>
-                      </a:r>
-                      <a:endParaRPr lang="zh-CN" altLang="en-US" dirty="0"/>
-                    </a:p>
-                  </a:txBody>
-                  <a:tcPr/>
-                </a:tc>
-                <a:tc>
-                  <a:txBody>
-                    <a:bodyPr/>
-                    <a:lstStyle/>
-                    <a:p>
-                      <a:r>
-                        <a:rPr lang="en-US" altLang="zh-CN" dirty="0"/>
-                        <a:t>Test(before/after)</a:t>
-                      </a:r>
-                      <a:endParaRPr lang="zh-CN" altLang="en-US" dirty="0"/>
-                    </a:p>
-                  </a:txBody>
-                  <a:tcPr/>
-                </a:tc>
-                <a:extLst>
-                  <a:ext uri="{0D108BD9-81ED-4DB2-BD59-A6C34878D82A}">
-                    <a16:rowId xmlns:a16="http://schemas.microsoft.com/office/drawing/2014/main" val="10000"/>
-                  </a:ext>
-                </a:extLst>
-              </a:tr>
-              <a:tr h="370840">
-                <a:tc>
-                  <a:txBody>
-                    <a:bodyPr/>
-                    <a:lstStyle/>
-                    <a:p>
-                      <a:r>
-                        <a:rPr lang="en-US" altLang="zh-CN" dirty="0"/>
-                        <a:t>MONK-1</a:t>
-                      </a:r>
-                      <a:endParaRPr lang="zh-CN" altLang="en-US" dirty="0"/>
-                    </a:p>
-                  </a:txBody>
-                  <a:tcPr anchor="ctr"/>
-                </a:tc>
-                <a:tc>
-                  <a:txBody>
-                    <a:bodyPr/>
-                    <a:lstStyle/>
-                    <a:p>
-                      <a:r>
-                        <a:rPr lang="is-IS" altLang="zh-CN" dirty="0"/>
-                        <a:t>0.2432432432432432</a:t>
-                      </a:r>
-                      <a:endParaRPr lang="zh-CN" altLang="en-US" dirty="0"/>
-                    </a:p>
-                  </a:txBody>
-                  <a:tcPr anchor="ctr"/>
-                </a:tc>
-                <a:tc>
-                  <a:txBody>
-                    <a:bodyPr/>
-                    <a:lstStyle/>
-                    <a:p>
-                      <a:r>
-                        <a:rPr lang="is-IS" altLang="zh-CN" dirty="0"/>
-                        <a:t>0.2800000000000000</a:t>
-                      </a:r>
-                    </a:p>
-                    <a:p>
-                      <a:r>
-                        <a:rPr lang="is-IS" altLang="zh-CN" dirty="0"/>
-                        <a:t>\0.1400000000000000</a:t>
-                      </a:r>
-                      <a:endParaRPr lang="zh-CN" altLang="en-US" dirty="0"/>
-                    </a:p>
-                  </a:txBody>
-                  <a:tcPr anchor="ctr"/>
-                </a:tc>
-                <a:tc>
-                  <a:txBody>
-                    <a:bodyPr/>
-                    <a:lstStyle/>
-                    <a:p>
-                      <a:r>
-                        <a:rPr lang="cs-CZ" altLang="zh-CN" dirty="0"/>
-                        <a:t>0.2800000000000000</a:t>
-                      </a:r>
-                    </a:p>
-                    <a:p>
-                      <a:r>
-                        <a:rPr lang="cs-CZ" altLang="zh-CN" dirty="0"/>
-                        <a:t>\0.2222222222222222</a:t>
-                      </a:r>
-                      <a:endParaRPr lang="zh-CN" altLang="en-US" dirty="0"/>
-                    </a:p>
-                  </a:txBody>
-                  <a:tcPr anchor="ctr"/>
-                </a:tc>
-                <a:extLst>
-                  <a:ext uri="{0D108BD9-81ED-4DB2-BD59-A6C34878D82A}">
-                    <a16:rowId xmlns:a16="http://schemas.microsoft.com/office/drawing/2014/main" val="10001"/>
-                  </a:ext>
-                </a:extLst>
-              </a:tr>
-              <a:tr h="370840">
-                <a:tc>
-                  <a:txBody>
-                    <a:bodyPr/>
-                    <a:lstStyle/>
-                    <a:p>
-                      <a:r>
-                        <a:rPr lang="en-US" altLang="zh-CN" dirty="0"/>
-                        <a:t>MONK-2</a:t>
-                      </a:r>
-                    </a:p>
-                  </a:txBody>
-                  <a:tcPr anchor="ctr"/>
-                </a:tc>
-                <a:tc>
-                  <a:txBody>
-                    <a:bodyPr/>
-                    <a:lstStyle/>
-                    <a:p>
-                      <a:r>
-                        <a:rPr lang="uk-UA" altLang="zh-CN" dirty="0"/>
-                        <a:t>0.3960396039603961</a:t>
-                      </a:r>
-                      <a:endParaRPr lang="zh-CN" altLang="en-US" dirty="0"/>
-                    </a:p>
-                  </a:txBody>
-                  <a:tcPr anchor="ctr"/>
-                </a:tc>
-                <a:tc>
-                  <a:txBody>
-                    <a:bodyPr/>
-                    <a:lstStyle/>
-                    <a:p>
-                      <a:r>
-                        <a:rPr lang="is-IS" altLang="zh-CN" dirty="0"/>
-                        <a:t>0.5441176470588236</a:t>
-                      </a:r>
-                    </a:p>
-                    <a:p>
-                      <a:r>
-                        <a:rPr lang="is-IS" altLang="zh-CN" dirty="0"/>
-                        <a:t>\0.3529411764705882</a:t>
-                      </a:r>
-                      <a:endParaRPr lang="zh-CN" altLang="en-US" dirty="0"/>
-                    </a:p>
-                  </a:txBody>
-                  <a:tcPr anchor="ctr"/>
-                </a:tc>
-                <a:tc>
-                  <a:txBody>
-                    <a:bodyPr/>
-                    <a:lstStyle/>
-                    <a:p>
-                      <a:r>
-                        <a:rPr lang="pt-BR" altLang="zh-CN" dirty="0"/>
-                        <a:t>0.5441176470588236</a:t>
-                      </a:r>
-                    </a:p>
-                    <a:p>
-                      <a:r>
-                        <a:rPr lang="pt-BR" altLang="zh-CN" dirty="0"/>
-                        <a:t>\0.3287037037037037</a:t>
-                      </a:r>
-                      <a:endParaRPr lang="zh-CN" altLang="en-US" dirty="0"/>
-                    </a:p>
-                  </a:txBody>
-                  <a:tcPr anchor="ctr"/>
-                </a:tc>
-                <a:extLst>
-                  <a:ext uri="{0D108BD9-81ED-4DB2-BD59-A6C34878D82A}">
-                    <a16:rowId xmlns:a16="http://schemas.microsoft.com/office/drawing/2014/main" val="10002"/>
-                  </a:ext>
-                </a:extLst>
-              </a:tr>
-              <a:tr h="370840">
-                <a:tc>
-                  <a:txBody>
-                    <a:bodyPr/>
-                    <a:lstStyle/>
-                    <a:p>
-                      <a:r>
-                        <a:rPr lang="en-US" altLang="zh-CN" dirty="0"/>
-                        <a:t>MONK-3</a:t>
-                      </a:r>
-                      <a:endParaRPr lang="zh-CN" altLang="en-US" dirty="0"/>
-                    </a:p>
-                  </a:txBody>
-                  <a:tcPr anchor="ctr"/>
-                </a:tc>
-                <a:tc>
-                  <a:txBody>
-                    <a:bodyPr/>
-                    <a:lstStyle/>
-                    <a:p>
-                      <a:r>
-                        <a:rPr lang="is-IS" altLang="zh-CN" dirty="0"/>
-                        <a:t>0.0273972602739726</a:t>
-                      </a:r>
-                      <a:endParaRPr lang="zh-CN" altLang="en-US" dirty="0"/>
-                    </a:p>
-                  </a:txBody>
-                  <a:tcPr anchor="ctr"/>
-                </a:tc>
-                <a:tc>
-                  <a:txBody>
-                    <a:bodyPr/>
-                    <a:lstStyle/>
-                    <a:p>
-                      <a:r>
-                        <a:rPr lang="cs-CZ" altLang="zh-CN" dirty="0"/>
-                        <a:t>0.1428571428571429</a:t>
-                      </a:r>
-                    </a:p>
-                    <a:p>
-                      <a:r>
-                        <a:rPr lang="cs-CZ" altLang="zh-CN" dirty="0"/>
-                        <a:t>\0.1224489795918368</a:t>
-                      </a:r>
-                      <a:endParaRPr lang="zh-CN" altLang="en-US" dirty="0"/>
-                    </a:p>
-                  </a:txBody>
-                  <a:tcPr anchor="ctr"/>
-                </a:tc>
-                <a:tc>
-                  <a:txBody>
-                    <a:bodyPr/>
-                    <a:lstStyle/>
-                    <a:p>
-                      <a:r>
-                        <a:rPr lang="is-IS" altLang="zh-CN" dirty="0"/>
-                        <a:t>0.1428571428571429</a:t>
-                      </a:r>
-                    </a:p>
-                    <a:p>
-                      <a:r>
-                        <a:rPr lang="is-IS" altLang="zh-CN" dirty="0"/>
-                        <a:t>\0.1203703703703703</a:t>
-                      </a:r>
-                      <a:endParaRPr lang="zh-CN" altLang="en-US" dirty="0"/>
-                    </a:p>
-                  </a:txBody>
-                  <a:tcPr anchor="ctr"/>
-                </a:tc>
-                <a:extLst>
-                  <a:ext uri="{0D108BD9-81ED-4DB2-BD59-A6C34878D82A}">
-                    <a16:rowId xmlns:a16="http://schemas.microsoft.com/office/drawing/2014/main" val="10003"/>
-                  </a:ext>
-                </a:extLst>
-              </a:tr>
-            </a:tbl>
-          </a:graphicData>
-        </a:graphic>
-      </p:graphicFrame>
-      <p:sp>
-        <p:nvSpPr>
-          <p:cNvPr id="7" name="文本框 6"/>
-          <p:cNvSpPr txBox="1"/>
-          <p:nvPr/>
-        </p:nvSpPr>
-        <p:spPr>
-          <a:xfrm>
-            <a:off x="1955269" y="1982568"/>
-            <a:ext cx="5173339" cy="369332"/>
-          </a:xfrm>
-          <a:prstGeom prst="rect">
-            <a:avLst/>
-          </a:prstGeom>
-          <a:noFill/>
-        </p:spPr>
-        <p:txBody>
-          <a:bodyPr wrap="none" rtlCol="0">
-            <a:spAutoFit/>
-          </a:bodyPr>
-          <a:lstStyle/>
-          <a:p>
-            <a:r>
-              <a:rPr kumimoji="1" lang="en-US" altLang="zh-CN" dirty="0"/>
-              <a:t>Error Rate Before and After Pruning (For one try)</a:t>
-            </a:r>
-            <a:endParaRPr kumimoji="1" lang="zh-CN" altLang="en-US" dirty="0"/>
-          </a:p>
-        </p:txBody>
-      </p:sp>
-    </p:spTree>
-    <p:extLst>
-      <p:ext uri="{BB962C8B-B14F-4D97-AF65-F5344CB8AC3E}">
-        <p14:creationId xmlns:p14="http://schemas.microsoft.com/office/powerpoint/2010/main" val="130101876"/>
-      </p:ext>
-    </p:extLst>
-  </p:cSld>
-  <p:clrMapOvr>
-    <a:masterClrMapping/>
-  </p:clrMapOvr>
-  <mc:AlternateContent xmlns:mc="http://schemas.openxmlformats.org/markup-compatibility/2006" xmlns:p14="http://schemas.microsoft.com/office/powerpoint/2010/main">
-    <mc:Choice Requires="p14">
-      <p:transition spd="med" p14:dur="700">
-        <p:fade/>
-      </p:transition>
-    </mc:Choice>
-    <mc:Fallback xmlns="">
-      <p:transition spd="med">
-        <p:fade/>
-      </p:transition>
-    </mc:Fallback>
-  </mc:AlternateContent>
-</p:sld>
-</file>
-
-<file path=ppt/slides/slide12.xml><?xml version="1.0" encoding="utf-8"?>
-<p:sld xmlns:a="http://schemas.openxmlformats.org/drawingml/2006/main" xmlns:r="http://schemas.openxmlformats.org/officeDocument/2006/relationships" xmlns:p="http://schemas.openxmlformats.org/presentationml/2006/main">
-  <p:cSld>
-    <p:spTree>
-      <p:nvGrpSpPr>
-        <p:cNvPr id="1" name=""/>
-        <p:cNvGrpSpPr/>
-        <p:nvPr/>
-      </p:nvGrpSpPr>
-      <p:grpSpPr>
-        <a:xfrm>
-          <a:off x="0" y="0"/>
-          <a:ext cx="0" cy="0"/>
-          <a:chOff x="0" y="0"/>
-          <a:chExt cx="0" cy="0"/>
-        </a:xfrm>
-      </p:grpSpPr>
-      <p:sp>
-        <p:nvSpPr>
-          <p:cNvPr id="8" name="Rubrik 7">
-            <a:extLst>
-              <a:ext uri="{FF2B5EF4-FFF2-40B4-BE49-F238E27FC236}">
-                <a16:creationId xmlns:a16="http://schemas.microsoft.com/office/drawing/2014/main" id="{D137FBB1-2CF8-DC42-AF7B-28C21A52B951}"/>
-              </a:ext>
-            </a:extLst>
-          </p:cNvPr>
-          <p:cNvSpPr>
-            <a:spLocks noGrp="1"/>
-          </p:cNvSpPr>
-          <p:nvPr>
-            <p:ph type="title"/>
-          </p:nvPr>
-        </p:nvSpPr>
-        <p:spPr/>
-        <p:txBody>
-          <a:bodyPr/>
-          <a:lstStyle/>
-          <a:p>
-            <a:r>
-              <a:rPr lang="en-US" altLang="zh-CN" dirty="0"/>
-              <a:t>Lab 1 Decision Tree</a:t>
-            </a:r>
-            <a:endParaRPr lang="en-GB" dirty="0"/>
-          </a:p>
-        </p:txBody>
-      </p:sp>
-      <p:sp>
-        <p:nvSpPr>
-          <p:cNvPr id="3" name="Platshållare för datum 2">
-            <a:extLst>
-              <a:ext uri="{FF2B5EF4-FFF2-40B4-BE49-F238E27FC236}">
-                <a16:creationId xmlns:a16="http://schemas.microsoft.com/office/drawing/2014/main" id="{C9D9A0CA-3DFF-E14B-955C-91D3537F0167}"/>
-              </a:ext>
-            </a:extLst>
-          </p:cNvPr>
-          <p:cNvSpPr>
-            <a:spLocks noGrp="1"/>
-          </p:cNvSpPr>
-          <p:nvPr>
-            <p:ph type="dt" sz="half" idx="11"/>
-          </p:nvPr>
-        </p:nvSpPr>
-        <p:spPr/>
-        <p:txBody>
-          <a:bodyPr/>
-          <a:lstStyle/>
-          <a:p>
-            <a:r>
-              <a:rPr lang="en-GB" dirty="0"/>
-              <a:t>2019-09-13</a:t>
-            </a:r>
-          </a:p>
-        </p:txBody>
-      </p:sp>
-      <p:sp>
-        <p:nvSpPr>
-          <p:cNvPr id="4" name="Platshållare för bildnummer 3">
-            <a:extLst>
-              <a:ext uri="{FF2B5EF4-FFF2-40B4-BE49-F238E27FC236}">
-                <a16:creationId xmlns:a16="http://schemas.microsoft.com/office/drawing/2014/main" id="{8AFF2BC0-9FEF-9C45-9CE0-40DC8A6BD12D}"/>
-              </a:ext>
-            </a:extLst>
-          </p:cNvPr>
-          <p:cNvSpPr>
-            <a:spLocks noGrp="1"/>
-          </p:cNvSpPr>
-          <p:nvPr>
-            <p:ph type="sldNum" sz="quarter" idx="12"/>
-          </p:nvPr>
-        </p:nvSpPr>
-        <p:spPr/>
-        <p:txBody>
-          <a:bodyPr/>
-          <a:lstStyle/>
-          <a:p>
-            <a:fld id="{C338348D-F2D3-AB47-AE2A-1D59B1E58D64}" type="slidenum">
-              <a:rPr lang="en-GB" smtClean="0"/>
-              <a:pPr/>
-              <a:t>12</a:t>
-            </a:fld>
-            <a:endParaRPr lang="en-GB" dirty="0"/>
-          </a:p>
-        </p:txBody>
-      </p:sp>
-      <p:pic>
-        <p:nvPicPr>
-          <p:cNvPr id="2" name="图片 1"/>
-          <p:cNvPicPr>
-            <a:picLocks noChangeAspect="1"/>
-          </p:cNvPicPr>
-          <p:nvPr/>
-        </p:nvPicPr>
-        <p:blipFill>
-          <a:blip r:embed="rId3"/>
-          <a:stretch>
-            <a:fillRect/>
-          </a:stretch>
-        </p:blipFill>
-        <p:spPr>
-          <a:xfrm>
-            <a:off x="1060463" y="925626"/>
-            <a:ext cx="7200000" cy="945295"/>
-          </a:xfrm>
-          <a:prstGeom prst="rect">
-            <a:avLst/>
-          </a:prstGeom>
-        </p:spPr>
-      </p:pic>
-      <p:pic>
-        <p:nvPicPr>
-          <p:cNvPr id="5" name="图片 4"/>
-          <p:cNvPicPr>
-            <a:picLocks noChangeAspect="1"/>
-          </p:cNvPicPr>
-          <p:nvPr/>
-        </p:nvPicPr>
-        <p:blipFill>
-          <a:blip r:embed="rId4"/>
-          <a:stretch>
-            <a:fillRect/>
-          </a:stretch>
-        </p:blipFill>
-        <p:spPr>
-          <a:xfrm>
-            <a:off x="1677558" y="2065469"/>
-            <a:ext cx="2394000" cy="2520000"/>
-          </a:xfrm>
-          <a:prstGeom prst="rect">
-            <a:avLst/>
-          </a:prstGeom>
-          <a:ln>
-            <a:solidFill>
-              <a:schemeClr val="accent1"/>
-            </a:solidFill>
-          </a:ln>
-        </p:spPr>
-      </p:pic>
-      <p:pic>
-        <p:nvPicPr>
-          <p:cNvPr id="7" name="图片 6"/>
-          <p:cNvPicPr>
-            <a:picLocks noChangeAspect="1"/>
-          </p:cNvPicPr>
-          <p:nvPr/>
-        </p:nvPicPr>
-        <p:blipFill>
-          <a:blip r:embed="rId5"/>
-          <a:stretch>
-            <a:fillRect/>
-          </a:stretch>
-        </p:blipFill>
-        <p:spPr>
-          <a:xfrm>
-            <a:off x="4660463" y="2065469"/>
-            <a:ext cx="3193069" cy="2520000"/>
-          </a:xfrm>
-          <a:prstGeom prst="rect">
-            <a:avLst/>
-          </a:prstGeom>
-          <a:ln>
-            <a:solidFill>
-              <a:schemeClr val="accent1"/>
-            </a:solidFill>
-          </a:ln>
-        </p:spPr>
-      </p:pic>
-      <p:sp>
-        <p:nvSpPr>
-          <p:cNvPr id="9" name="文本框 8"/>
-          <p:cNvSpPr txBox="1"/>
-          <p:nvPr/>
-        </p:nvSpPr>
-        <p:spPr>
-          <a:xfrm>
-            <a:off x="2805962" y="4651057"/>
-            <a:ext cx="3098203" cy="215444"/>
-          </a:xfrm>
-          <a:prstGeom prst="rect">
-            <a:avLst/>
-          </a:prstGeom>
-          <a:noFill/>
-        </p:spPr>
-        <p:txBody>
-          <a:bodyPr wrap="square" rtlCol="0">
-            <a:spAutoFit/>
-          </a:bodyPr>
-          <a:lstStyle/>
-          <a:p>
-            <a:r>
-              <a:rPr lang="en-US" altLang="zh-CN" sz="800" dirty="0">
-                <a:latin typeface="NimbusSanL" charset="0"/>
-              </a:rPr>
-              <a:t>(figure source: </a:t>
-            </a:r>
-            <a:r>
-              <a:rPr lang="en-US" altLang="zh-CN" sz="800" dirty="0">
-                <a:latin typeface="NimbusSanL" charset="0"/>
-                <a:hlinkClick r:id="rId6"/>
-              </a:rPr>
-              <a:t>http://</a:t>
-            </a:r>
-            <a:r>
-              <a:rPr lang="en-US" altLang="zh-CN" sz="800" dirty="0" err="1">
-                <a:latin typeface="NimbusSanL" charset="0"/>
-                <a:hlinkClick r:id="rId6"/>
-              </a:rPr>
-              <a:t>scott.fortmann-roe.com</a:t>
-            </a:r>
-            <a:r>
-              <a:rPr lang="en-US" altLang="zh-CN" sz="800" dirty="0">
-                <a:latin typeface="NimbusSanL" charset="0"/>
-                <a:hlinkClick r:id="rId6"/>
-              </a:rPr>
-              <a:t>/docs/</a:t>
-            </a:r>
-            <a:r>
-              <a:rPr lang="en-US" altLang="zh-CN" sz="800" dirty="0" err="1">
-                <a:latin typeface="NimbusSanL" charset="0"/>
-                <a:hlinkClick r:id="rId6"/>
-              </a:rPr>
-              <a:t>BiasVariance.html</a:t>
-            </a:r>
-            <a:r>
-              <a:rPr lang="en-US" altLang="zh-CN" sz="800" dirty="0">
-                <a:latin typeface="NimbusSanL" charset="0"/>
-              </a:rPr>
-              <a:t>) </a:t>
-            </a:r>
-            <a:endParaRPr lang="en-US" altLang="zh-CN" dirty="0"/>
-          </a:p>
-        </p:txBody>
-      </p:sp>
-    </p:spTree>
-    <p:extLst>
-      <p:ext uri="{BB962C8B-B14F-4D97-AF65-F5344CB8AC3E}">
-        <p14:creationId xmlns:p14="http://schemas.microsoft.com/office/powerpoint/2010/main" val="1087072388"/>
-      </p:ext>
-    </p:extLst>
-  </p:cSld>
-  <p:clrMapOvr>
-    <a:masterClrMapping/>
-  </p:clrMapOvr>
-  <mc:AlternateContent xmlns:mc="http://schemas.openxmlformats.org/markup-compatibility/2006" xmlns:p14="http://schemas.microsoft.com/office/powerpoint/2010/main">
-    <mc:Choice Requires="p14">
-      <p:transition spd="med" p14:dur="700">
-        <p:fade/>
-      </p:transition>
-    </mc:Choice>
-    <mc:Fallback xmlns="">
-      <p:transition spd="med">
-        <p:fade/>
-      </p:transition>
-    </mc:Fallback>
-  </mc:AlternateContent>
-</p:sld>
-</file>
-
-<file path=ppt/slides/slide13.xml><?xml version="1.0" encoding="utf-8"?>
-<p:sld xmlns:a="http://schemas.openxmlformats.org/drawingml/2006/main" xmlns:r="http://schemas.openxmlformats.org/officeDocument/2006/relationships" xmlns:p="http://schemas.openxmlformats.org/presentationml/2006/main">
-  <p:cSld>
-    <p:spTree>
-      <p:nvGrpSpPr>
-        <p:cNvPr id="1" name=""/>
-        <p:cNvGrpSpPr/>
-        <p:nvPr/>
-      </p:nvGrpSpPr>
-      <p:grpSpPr>
-        <a:xfrm>
-          <a:off x="0" y="0"/>
-          <a:ext cx="0" cy="0"/>
-          <a:chOff x="0" y="0"/>
-          <a:chExt cx="0" cy="0"/>
-        </a:xfrm>
-      </p:grpSpPr>
-      <p:sp>
-        <p:nvSpPr>
-          <p:cNvPr id="8" name="Rubrik 7">
-            <a:extLst>
-              <a:ext uri="{FF2B5EF4-FFF2-40B4-BE49-F238E27FC236}">
-                <a16:creationId xmlns:a16="http://schemas.microsoft.com/office/drawing/2014/main" id="{D137FBB1-2CF8-DC42-AF7B-28C21A52B951}"/>
-              </a:ext>
-            </a:extLst>
-          </p:cNvPr>
-          <p:cNvSpPr>
-            <a:spLocks noGrp="1"/>
-          </p:cNvSpPr>
-          <p:nvPr>
-            <p:ph type="title"/>
-          </p:nvPr>
-        </p:nvSpPr>
-        <p:spPr/>
-        <p:txBody>
-          <a:bodyPr/>
-          <a:lstStyle/>
-          <a:p>
-            <a:r>
-              <a:rPr lang="en-US" altLang="zh-CN" dirty="0"/>
-              <a:t>Lab 1 Decision Tree</a:t>
-            </a:r>
-            <a:endParaRPr lang="en-GB" dirty="0"/>
-          </a:p>
-        </p:txBody>
-      </p:sp>
-      <p:sp>
-        <p:nvSpPr>
-          <p:cNvPr id="3" name="Platshållare för datum 2">
-            <a:extLst>
-              <a:ext uri="{FF2B5EF4-FFF2-40B4-BE49-F238E27FC236}">
-                <a16:creationId xmlns:a16="http://schemas.microsoft.com/office/drawing/2014/main" id="{C9D9A0CA-3DFF-E14B-955C-91D3537F0167}"/>
-              </a:ext>
-            </a:extLst>
-          </p:cNvPr>
-          <p:cNvSpPr>
-            <a:spLocks noGrp="1"/>
-          </p:cNvSpPr>
-          <p:nvPr>
-            <p:ph type="dt" sz="half" idx="11"/>
-          </p:nvPr>
-        </p:nvSpPr>
-        <p:spPr/>
-        <p:txBody>
-          <a:bodyPr/>
-          <a:lstStyle/>
-          <a:p>
-            <a:r>
-              <a:rPr lang="en-GB" dirty="0"/>
-              <a:t>2019-09-13</a:t>
-            </a:r>
-          </a:p>
-        </p:txBody>
-      </p:sp>
-      <p:sp>
-        <p:nvSpPr>
-          <p:cNvPr id="4" name="Platshållare för bildnummer 3">
-            <a:extLst>
-              <a:ext uri="{FF2B5EF4-FFF2-40B4-BE49-F238E27FC236}">
-                <a16:creationId xmlns:a16="http://schemas.microsoft.com/office/drawing/2014/main" id="{8AFF2BC0-9FEF-9C45-9CE0-40DC8A6BD12D}"/>
-              </a:ext>
-            </a:extLst>
-          </p:cNvPr>
-          <p:cNvSpPr>
-            <a:spLocks noGrp="1"/>
-          </p:cNvSpPr>
-          <p:nvPr>
-            <p:ph type="sldNum" sz="quarter" idx="12"/>
-          </p:nvPr>
-        </p:nvSpPr>
-        <p:spPr/>
-        <p:txBody>
-          <a:bodyPr/>
-          <a:lstStyle/>
-          <a:p>
-            <a:fld id="{C338348D-F2D3-AB47-AE2A-1D59B1E58D64}" type="slidenum">
-              <a:rPr lang="en-GB" smtClean="0"/>
-              <a:pPr/>
-              <a:t>13</a:t>
-            </a:fld>
-            <a:endParaRPr lang="en-GB" dirty="0"/>
-          </a:p>
-        </p:txBody>
-      </p:sp>
-      <p:pic>
-        <p:nvPicPr>
-          <p:cNvPr id="2" name="图片 1"/>
-          <p:cNvPicPr>
-            <a:picLocks noChangeAspect="1"/>
-          </p:cNvPicPr>
-          <p:nvPr/>
-        </p:nvPicPr>
-        <p:blipFill>
-          <a:blip r:embed="rId3"/>
-          <a:stretch>
-            <a:fillRect/>
-          </a:stretch>
-        </p:blipFill>
-        <p:spPr>
-          <a:xfrm>
-            <a:off x="1060463" y="925626"/>
-            <a:ext cx="7200000" cy="3334654"/>
-          </a:xfrm>
-          <a:prstGeom prst="rect">
-            <a:avLst/>
-          </a:prstGeom>
-        </p:spPr>
-      </p:pic>
-    </p:spTree>
-    <p:extLst>
-      <p:ext uri="{BB962C8B-B14F-4D97-AF65-F5344CB8AC3E}">
-        <p14:creationId xmlns:p14="http://schemas.microsoft.com/office/powerpoint/2010/main" val="533330843"/>
-      </p:ext>
-    </p:extLst>
-  </p:cSld>
-  <p:clrMapOvr>
-    <a:masterClrMapping/>
-  </p:clrMapOvr>
-  <mc:AlternateContent xmlns:mc="http://schemas.openxmlformats.org/markup-compatibility/2006" xmlns:p14="http://schemas.microsoft.com/office/powerpoint/2010/main">
-    <mc:Choice Requires="p14">
-      <p:transition spd="med" p14:dur="700">
-        <p:fade/>
-      </p:transition>
-    </mc:Choice>
-    <mc:Fallback xmlns="">
-      <p:transition spd="med">
-        <p:fade/>
-      </p:transition>
-    </mc:Fallback>
-  </mc:AlternateContent>
-</p:sld>
-</file>
-
-<file path=ppt/slides/slide14.xml><?xml version="1.0" encoding="utf-8"?>
-<p:sld xmlns:a="http://schemas.openxmlformats.org/drawingml/2006/main" xmlns:r="http://schemas.openxmlformats.org/officeDocument/2006/relationships" xmlns:p="http://schemas.openxmlformats.org/presentationml/2006/main">
-  <p:cSld>
-    <p:spTree>
-      <p:nvGrpSpPr>
-        <p:cNvPr id="1" name=""/>
-        <p:cNvGrpSpPr/>
-        <p:nvPr/>
-      </p:nvGrpSpPr>
-      <p:grpSpPr>
-        <a:xfrm>
-          <a:off x="0" y="0"/>
-          <a:ext cx="0" cy="0"/>
-          <a:chOff x="0" y="0"/>
-          <a:chExt cx="0" cy="0"/>
-        </a:xfrm>
-      </p:grpSpPr>
-      <p:sp>
-        <p:nvSpPr>
-          <p:cNvPr id="8" name="Rubrik 7">
-            <a:extLst>
-              <a:ext uri="{FF2B5EF4-FFF2-40B4-BE49-F238E27FC236}">
-                <a16:creationId xmlns:a16="http://schemas.microsoft.com/office/drawing/2014/main" id="{D137FBB1-2CF8-DC42-AF7B-28C21A52B951}"/>
-              </a:ext>
-            </a:extLst>
-          </p:cNvPr>
-          <p:cNvSpPr>
-            <a:spLocks noGrp="1"/>
-          </p:cNvSpPr>
-          <p:nvPr>
-            <p:ph type="title"/>
-          </p:nvPr>
-        </p:nvSpPr>
-        <p:spPr/>
-        <p:txBody>
-          <a:bodyPr/>
-          <a:lstStyle/>
-          <a:p>
-            <a:r>
-              <a:rPr lang="en-US" altLang="zh-CN" dirty="0"/>
-              <a:t>Lab 1 Decision Tree</a:t>
-            </a:r>
-            <a:endParaRPr lang="en-GB" dirty="0"/>
-          </a:p>
-        </p:txBody>
-      </p:sp>
-      <p:sp>
-        <p:nvSpPr>
-          <p:cNvPr id="3" name="Platshållare för datum 2">
-            <a:extLst>
-              <a:ext uri="{FF2B5EF4-FFF2-40B4-BE49-F238E27FC236}">
-                <a16:creationId xmlns:a16="http://schemas.microsoft.com/office/drawing/2014/main" id="{C9D9A0CA-3DFF-E14B-955C-91D3537F0167}"/>
-              </a:ext>
-            </a:extLst>
-          </p:cNvPr>
-          <p:cNvSpPr>
-            <a:spLocks noGrp="1"/>
-          </p:cNvSpPr>
-          <p:nvPr>
-            <p:ph type="dt" sz="half" idx="11"/>
-          </p:nvPr>
-        </p:nvSpPr>
-        <p:spPr/>
-        <p:txBody>
-          <a:bodyPr/>
-          <a:lstStyle/>
-          <a:p>
-            <a:r>
-              <a:rPr lang="en-GB" dirty="0"/>
-              <a:t>2019-09-13</a:t>
-            </a:r>
-          </a:p>
-        </p:txBody>
-      </p:sp>
-      <p:sp>
-        <p:nvSpPr>
-          <p:cNvPr id="4" name="Platshållare för bildnummer 3">
-            <a:extLst>
-              <a:ext uri="{FF2B5EF4-FFF2-40B4-BE49-F238E27FC236}">
-                <a16:creationId xmlns:a16="http://schemas.microsoft.com/office/drawing/2014/main" id="{8AFF2BC0-9FEF-9C45-9CE0-40DC8A6BD12D}"/>
-              </a:ext>
-            </a:extLst>
-          </p:cNvPr>
-          <p:cNvSpPr>
-            <a:spLocks noGrp="1"/>
-          </p:cNvSpPr>
-          <p:nvPr>
-            <p:ph type="sldNum" sz="quarter" idx="12"/>
-          </p:nvPr>
-        </p:nvSpPr>
-        <p:spPr/>
-        <p:txBody>
-          <a:bodyPr/>
-          <a:lstStyle/>
-          <a:p>
-            <a:fld id="{C338348D-F2D3-AB47-AE2A-1D59B1E58D64}" type="slidenum">
-              <a:rPr lang="en-GB" smtClean="0"/>
-              <a:pPr/>
-              <a:t>14</a:t>
-            </a:fld>
-            <a:endParaRPr lang="en-GB" dirty="0"/>
-          </a:p>
-        </p:txBody>
-      </p:sp>
-      <p:sp>
-        <p:nvSpPr>
-          <p:cNvPr id="5" name="文本框 4"/>
-          <p:cNvSpPr txBox="1"/>
-          <p:nvPr/>
-        </p:nvSpPr>
-        <p:spPr>
-          <a:xfrm>
-            <a:off x="5776857" y="2383575"/>
-            <a:ext cx="3230372" cy="369332"/>
-          </a:xfrm>
-          <a:prstGeom prst="rect">
-            <a:avLst/>
-          </a:prstGeom>
-          <a:noFill/>
-        </p:spPr>
-        <p:txBody>
-          <a:bodyPr wrap="none" rtlCol="0">
-            <a:spAutoFit/>
-          </a:bodyPr>
-          <a:lstStyle/>
-          <a:p>
-            <a:r>
-              <a:rPr kumimoji="1" lang="en-US" altLang="zh-CN" dirty="0"/>
-              <a:t>N=1000 and use </a:t>
-            </a:r>
-            <a:r>
-              <a:rPr kumimoji="1" lang="en-US" altLang="zh-CN"/>
-              <a:t>the average </a:t>
-            </a:r>
-            <a:endParaRPr kumimoji="1" lang="zh-CN" altLang="en-US" dirty="0"/>
-          </a:p>
-        </p:txBody>
-      </p:sp>
-      <p:pic>
-        <p:nvPicPr>
-          <p:cNvPr id="6" name="图片 5"/>
-          <p:cNvPicPr>
-            <a:picLocks noChangeAspect="1"/>
-          </p:cNvPicPr>
-          <p:nvPr/>
-        </p:nvPicPr>
-        <p:blipFill>
-          <a:blip r:embed="rId3" cstate="screen">
-            <a:extLst>
-              <a:ext uri="{28A0092B-C50C-407E-A947-70E740481C1C}">
-                <a14:useLocalDpi xmlns:a14="http://schemas.microsoft.com/office/drawing/2010/main" val="0"/>
-              </a:ext>
-            </a:extLst>
-          </a:blip>
-          <a:stretch>
-            <a:fillRect/>
-          </a:stretch>
-        </p:blipFill>
-        <p:spPr>
-          <a:xfrm>
-            <a:off x="376857" y="1137573"/>
-            <a:ext cx="5400000" cy="3600000"/>
-          </a:xfrm>
-          <a:prstGeom prst="rect">
-            <a:avLst/>
-          </a:prstGeom>
-        </p:spPr>
-      </p:pic>
-    </p:spTree>
-    <p:extLst>
-      <p:ext uri="{BB962C8B-B14F-4D97-AF65-F5344CB8AC3E}">
-        <p14:creationId xmlns:p14="http://schemas.microsoft.com/office/powerpoint/2010/main" val="512384596"/>
-      </p:ext>
-    </p:extLst>
-  </p:cSld>
-  <p:clrMapOvr>
-    <a:masterClrMapping/>
-  </p:clrMapOvr>
-  <mc:AlternateContent xmlns:mc="http://schemas.openxmlformats.org/markup-compatibility/2006" xmlns:p14="http://schemas.microsoft.com/office/powerpoint/2010/main">
-    <mc:Choice Requires="p14">
-      <p:transition spd="med" p14:dur="700">
-        <p:fade/>
-      </p:transition>
-    </mc:Choice>
-    <mc:Fallback xmlns="">
-      <p:transition spd="med">
-        <p:fade/>
-      </p:transition>
-    </mc:Fallback>
-  </mc:AlternateContent>
-</p:sld>
-</file>
-
-<file path=ppt/slides/slide15.xml><?xml version="1.0" encoding="utf-8"?>
-<p:sld xmlns:a="http://schemas.openxmlformats.org/drawingml/2006/main" xmlns:r="http://schemas.openxmlformats.org/officeDocument/2006/relationships" xmlns:p="http://schemas.openxmlformats.org/presentationml/2006/main">
-  <p:cSld>
-    <p:spTree>
-      <p:nvGrpSpPr>
-        <p:cNvPr id="1" name=""/>
-        <p:cNvGrpSpPr/>
-        <p:nvPr/>
-      </p:nvGrpSpPr>
-      <p:grpSpPr>
-        <a:xfrm>
-          <a:off x="0" y="0"/>
-          <a:ext cx="0" cy="0"/>
-          <a:chOff x="0" y="0"/>
-          <a:chExt cx="0" cy="0"/>
-        </a:xfrm>
-      </p:grpSpPr>
-      <p:sp>
-        <p:nvSpPr>
-          <p:cNvPr id="8" name="Rubrik 7">
-            <a:extLst>
-              <a:ext uri="{FF2B5EF4-FFF2-40B4-BE49-F238E27FC236}">
-                <a16:creationId xmlns:a16="http://schemas.microsoft.com/office/drawing/2014/main" id="{D137FBB1-2CF8-DC42-AF7B-28C21A52B951}"/>
-              </a:ext>
-            </a:extLst>
-          </p:cNvPr>
-          <p:cNvSpPr>
-            <a:spLocks noGrp="1"/>
-          </p:cNvSpPr>
-          <p:nvPr>
-            <p:ph type="title"/>
-          </p:nvPr>
-        </p:nvSpPr>
-        <p:spPr/>
-        <p:txBody>
-          <a:bodyPr/>
-          <a:lstStyle/>
-          <a:p>
-            <a:r>
-              <a:rPr lang="en-US" altLang="zh-CN" dirty="0"/>
-              <a:t>Lab 1 Decision Tree</a:t>
-            </a:r>
-            <a:endParaRPr lang="en-GB" dirty="0"/>
-          </a:p>
-        </p:txBody>
-      </p:sp>
-      <p:sp>
-        <p:nvSpPr>
-          <p:cNvPr id="3" name="Platshållare för datum 2">
-            <a:extLst>
-              <a:ext uri="{FF2B5EF4-FFF2-40B4-BE49-F238E27FC236}">
-                <a16:creationId xmlns:a16="http://schemas.microsoft.com/office/drawing/2014/main" id="{C9D9A0CA-3DFF-E14B-955C-91D3537F0167}"/>
-              </a:ext>
-            </a:extLst>
-          </p:cNvPr>
-          <p:cNvSpPr>
-            <a:spLocks noGrp="1"/>
-          </p:cNvSpPr>
-          <p:nvPr>
-            <p:ph type="dt" sz="half" idx="11"/>
-          </p:nvPr>
-        </p:nvSpPr>
-        <p:spPr/>
-        <p:txBody>
-          <a:bodyPr/>
-          <a:lstStyle/>
-          <a:p>
-            <a:r>
-              <a:rPr lang="en-GB" dirty="0"/>
-              <a:t>2019-09-13</a:t>
-            </a:r>
-          </a:p>
-        </p:txBody>
-      </p:sp>
-      <p:sp>
-        <p:nvSpPr>
-          <p:cNvPr id="4" name="Platshållare för bildnummer 3">
-            <a:extLst>
-              <a:ext uri="{FF2B5EF4-FFF2-40B4-BE49-F238E27FC236}">
-                <a16:creationId xmlns:a16="http://schemas.microsoft.com/office/drawing/2014/main" id="{8AFF2BC0-9FEF-9C45-9CE0-40DC8A6BD12D}"/>
-              </a:ext>
-            </a:extLst>
-          </p:cNvPr>
-          <p:cNvSpPr>
-            <a:spLocks noGrp="1"/>
-          </p:cNvSpPr>
-          <p:nvPr>
-            <p:ph type="sldNum" sz="quarter" idx="12"/>
-          </p:nvPr>
-        </p:nvSpPr>
-        <p:spPr/>
-        <p:txBody>
-          <a:bodyPr/>
-          <a:lstStyle/>
-          <a:p>
-            <a:fld id="{C338348D-F2D3-AB47-AE2A-1D59B1E58D64}" type="slidenum">
-              <a:rPr lang="en-GB" smtClean="0"/>
-              <a:pPr/>
-              <a:t>15</a:t>
-            </a:fld>
-            <a:endParaRPr lang="en-GB" dirty="0"/>
-          </a:p>
-        </p:txBody>
-      </p:sp>
-      <p:sp>
-        <p:nvSpPr>
-          <p:cNvPr id="2" name="文本框 1"/>
-          <p:cNvSpPr txBox="1"/>
-          <p:nvPr/>
-        </p:nvSpPr>
-        <p:spPr>
-          <a:xfrm>
-            <a:off x="2273308" y="1781146"/>
-            <a:ext cx="4562467" cy="1569660"/>
-          </a:xfrm>
-          <a:prstGeom prst="rect">
-            <a:avLst/>
-          </a:prstGeom>
-          <a:noFill/>
-        </p:spPr>
-        <p:txBody>
-          <a:bodyPr wrap="none" rtlCol="0">
-            <a:spAutoFit/>
-          </a:bodyPr>
-          <a:lstStyle/>
-          <a:p>
-            <a:r>
-              <a:rPr kumimoji="1" lang="en-US" altLang="zh-CN" sz="9600" dirty="0"/>
-              <a:t>Thanks!</a:t>
-            </a:r>
-            <a:endParaRPr kumimoji="1" lang="zh-CN" altLang="en-US" sz="9600" dirty="0"/>
-          </a:p>
-        </p:txBody>
-      </p:sp>
-    </p:spTree>
-    <p:extLst>
-      <p:ext uri="{BB962C8B-B14F-4D97-AF65-F5344CB8AC3E}">
-        <p14:creationId xmlns:p14="http://schemas.microsoft.com/office/powerpoint/2010/main" val="1834328133"/>
-      </p:ext>
-    </p:extLst>
-  </p:cSld>
-  <p:clrMapOvr>
-    <a:masterClrMapping/>
-  </p:clrMapOvr>
-  <mc:AlternateContent xmlns:mc="http://schemas.openxmlformats.org/markup-compatibility/2006" xmlns:p14="http://schemas.microsoft.com/office/powerpoint/2010/main">
-    <mc:Choice Requires="p14">
-      <p:transition spd="med" p14:dur="700">
-        <p:fade/>
-      </p:transition>
-    </mc:Choice>
-    <mc:Fallback xmlns="">
-      <p:transition spd="med">
-        <p:fade/>
-      </p:transition>
-    </mc:Fallback>
-  </mc:AlternateContent>
-</p:sld>
-</file>
-
 <file path=ppt/slides/slide2.xml><?xml version="1.0" encoding="utf-8"?>
 <p:sld xmlns:a="http://schemas.openxmlformats.org/drawingml/2006/main" xmlns:r="http://schemas.openxmlformats.org/officeDocument/2006/relationships" xmlns:p="http://schemas.openxmlformats.org/presentationml/2006/main">
   <p:cSld>
@@ -13007,6 +10619,114 @@
           </a:prstGeom>
         </p:spPr>
       </p:pic>
+      <p:pic>
+        <p:nvPicPr>
+          <p:cNvPr id="6" name="Picture 5">
+            <a:extLst>
+              <a:ext uri="{FF2B5EF4-FFF2-40B4-BE49-F238E27FC236}">
+                <a16:creationId xmlns:a16="http://schemas.microsoft.com/office/drawing/2014/main" id="{462CB1B6-8F1A-490A-899F-D495CC5F9FD9}"/>
+              </a:ext>
+            </a:extLst>
+          </p:cNvPr>
+          <p:cNvPicPr>
+            <a:picLocks noChangeAspect="1"/>
+          </p:cNvPicPr>
+          <p:nvPr/>
+        </p:nvPicPr>
+        <p:blipFill>
+          <a:blip r:embed="rId4" cstate="screen">
+            <a:extLst>
+              <a:ext uri="{28A0092B-C50C-407E-A947-70E740481C1C}">
+                <a14:useLocalDpi xmlns:a14="http://schemas.microsoft.com/office/drawing/2010/main" val="0"/>
+              </a:ext>
+            </a:extLst>
+          </a:blip>
+          <a:stretch>
+            <a:fillRect/>
+          </a:stretch>
+        </p:blipFill>
+        <p:spPr>
+          <a:xfrm>
+            <a:off x="251985" y="2452412"/>
+            <a:ext cx="2949560" cy="2212170"/>
+          </a:xfrm>
+          <a:prstGeom prst="rect">
+            <a:avLst/>
+          </a:prstGeom>
+        </p:spPr>
+      </p:pic>
+      <p:pic>
+        <p:nvPicPr>
+          <p:cNvPr id="9" name="Picture 8">
+            <a:extLst>
+              <a:ext uri="{FF2B5EF4-FFF2-40B4-BE49-F238E27FC236}">
+                <a16:creationId xmlns:a16="http://schemas.microsoft.com/office/drawing/2014/main" id="{AF03959C-84F4-45C5-9B8A-5597F1D8079F}"/>
+              </a:ext>
+            </a:extLst>
+          </p:cNvPr>
+          <p:cNvPicPr>
+            <a:picLocks noChangeAspect="1"/>
+          </p:cNvPicPr>
+          <p:nvPr/>
+        </p:nvPicPr>
+        <p:blipFill>
+          <a:blip r:embed="rId5" cstate="screen">
+            <a:extLst>
+              <a:ext uri="{28A0092B-C50C-407E-A947-70E740481C1C}">
+                <a14:useLocalDpi xmlns:a14="http://schemas.microsoft.com/office/drawing/2010/main" val="0"/>
+              </a:ext>
+            </a:extLst>
+          </a:blip>
+          <a:stretch>
+            <a:fillRect/>
+          </a:stretch>
+        </p:blipFill>
+        <p:spPr>
+          <a:xfrm>
+            <a:off x="3081059" y="2452412"/>
+            <a:ext cx="2949560" cy="2212170"/>
+          </a:xfrm>
+          <a:prstGeom prst="rect">
+            <a:avLst/>
+          </a:prstGeom>
+        </p:spPr>
+      </p:pic>
+      <p:pic>
+        <p:nvPicPr>
+          <p:cNvPr id="11" name="Picture 10">
+            <a:extLst>
+              <a:ext uri="{FF2B5EF4-FFF2-40B4-BE49-F238E27FC236}">
+                <a16:creationId xmlns:a16="http://schemas.microsoft.com/office/drawing/2014/main" id="{BF7C9DC5-7F6F-4418-888D-9DF57C8CEDFD}"/>
+              </a:ext>
+            </a:extLst>
+          </p:cNvPr>
+          <p:cNvPicPr>
+            <a:picLocks noChangeAspect="1"/>
+          </p:cNvPicPr>
+          <p:nvPr/>
+        </p:nvPicPr>
+        <p:blipFill>
+          <a:blip r:embed="rId6" cstate="screen">
+            <a:extLst>
+              <a:ext uri="{28A0092B-C50C-407E-A947-70E740481C1C}">
+                <a14:useLocalDpi xmlns:a14="http://schemas.microsoft.com/office/drawing/2010/main" val="0"/>
+              </a:ext>
+            </a:extLst>
+          </a:blip>
+          <a:stretch>
+            <a:fillRect/>
+          </a:stretch>
+        </p:blipFill>
+        <p:spPr>
+          <a:xfrm>
+            <a:off x="5883213" y="2469153"/>
+            <a:ext cx="2949559" cy="2212170"/>
+          </a:xfrm>
+          <a:prstGeom prst="rect">
+            <a:avLst/>
+          </a:prstGeom>
+        </p:spPr>
+      </p:pic>
     </p:spTree>
     <p:extLst>
       <p:ext uri="{BB962C8B-B14F-4D97-AF65-F5344CB8AC3E}">
@@ -13072,7 +10792,7 @@
           <a:p>
             <a:r>
               <a:rPr lang="en-US" altLang="zh-CN" dirty="0"/>
-              <a:t>Lab 1 Decision Tree</a:t>
+              <a:t>Lab 2 Support Vector Machine</a:t>
             </a:r>
             <a:endParaRPr lang="en-GB" dirty="0"/>
           </a:p>
@@ -13138,7 +10858,13 @@
       </p:sp>
       <p:pic>
         <p:nvPicPr>
-          <p:cNvPr id="2" name="图片 1"/>
+          <p:cNvPr id="5" name="Picture 4">
+            <a:extLst>
+              <a:ext uri="{FF2B5EF4-FFF2-40B4-BE49-F238E27FC236}">
+                <a16:creationId xmlns:a16="http://schemas.microsoft.com/office/drawing/2014/main" id="{4DA9AAAD-6253-4D93-86D2-DA375E40B119}"/>
+              </a:ext>
+            </a:extLst>
+          </p:cNvPr>
           <p:cNvPicPr>
             <a:picLocks noChangeAspect="1"/>
           </p:cNvPicPr>
@@ -13152,198 +10878,86 @@
         </p:blipFill>
         <p:spPr>
           <a:xfrm>
-            <a:off x="1060463" y="925626"/>
-            <a:ext cx="7200000" cy="1543425"/>
+            <a:off x="540588" y="1103485"/>
+            <a:ext cx="8062823" cy="784057"/>
           </a:xfrm>
           <a:prstGeom prst="rect">
             <a:avLst/>
           </a:prstGeom>
         </p:spPr>
       </p:pic>
-      <p:graphicFrame>
-        <p:nvGraphicFramePr>
-          <p:cNvPr id="6" name="表格 5"/>
-          <p:cNvGraphicFramePr>
-            <a:graphicFrameLocks noGrp="1"/>
-          </p:cNvGraphicFramePr>
-          <p:nvPr>
-            <p:extLst>
-              <p:ext uri="{D42A27DB-BD31-4B8C-83A1-F6EECF244321}">
-                <p14:modId xmlns:p14="http://schemas.microsoft.com/office/powerpoint/2010/main" val="880953934"/>
-              </p:ext>
-            </p:extLst>
-          </p:nvPr>
-        </p:nvGraphicFramePr>
-        <p:xfrm>
-          <a:off x="1612463" y="2967605"/>
-          <a:ext cx="6096000" cy="1483360"/>
-        </p:xfrm>
-        <a:graphic>
-          <a:graphicData uri="http://schemas.openxmlformats.org/drawingml/2006/table">
-            <a:tbl>
-              <a:tblPr firstRow="1" bandRow="1">
-                <a:tableStyleId>{5C22544A-7EE6-4342-B048-85BDC9FD1C3A}</a:tableStyleId>
-              </a:tblPr>
-              <a:tblGrid>
-                <a:gridCol w="3048000">
-                  <a:extLst>
-                    <a:ext uri="{9D8B030D-6E8A-4147-A177-3AD203B41FA5}">
-                      <a16:colId xmlns:a16="http://schemas.microsoft.com/office/drawing/2014/main" val="20000"/>
-                    </a:ext>
-                  </a:extLst>
-                </a:gridCol>
-                <a:gridCol w="3048000">
-                  <a:extLst>
-                    <a:ext uri="{9D8B030D-6E8A-4147-A177-3AD203B41FA5}">
-                      <a16:colId xmlns:a16="http://schemas.microsoft.com/office/drawing/2014/main" val="20001"/>
-                    </a:ext>
-                  </a:extLst>
-                </a:gridCol>
-              </a:tblGrid>
-              <a:tr h="370840">
-                <a:tc>
-                  <a:txBody>
-                    <a:bodyPr/>
-                    <a:lstStyle/>
-                    <a:p>
-                      <a:r>
-                        <a:rPr lang="en-US" altLang="zh-CN" dirty="0"/>
-                        <a:t>Data Set</a:t>
-                      </a:r>
-                      <a:endParaRPr lang="zh-CN" altLang="en-US" dirty="0"/>
-                    </a:p>
-                  </a:txBody>
-                  <a:tcPr/>
-                </a:tc>
-                <a:tc>
-                  <a:txBody>
-                    <a:bodyPr/>
-                    <a:lstStyle/>
-                    <a:p>
-                      <a:r>
-                        <a:rPr lang="en-US" altLang="zh-CN" dirty="0"/>
-                        <a:t>Entropy</a:t>
-                      </a:r>
-                      <a:endParaRPr lang="zh-CN" altLang="en-US" dirty="0"/>
-                    </a:p>
-                  </a:txBody>
-                  <a:tcPr/>
-                </a:tc>
-                <a:extLst>
-                  <a:ext uri="{0D108BD9-81ED-4DB2-BD59-A6C34878D82A}">
-                    <a16:rowId xmlns:a16="http://schemas.microsoft.com/office/drawing/2014/main" val="10000"/>
-                  </a:ext>
-                </a:extLst>
-              </a:tr>
-              <a:tr h="370840">
-                <a:tc>
-                  <a:txBody>
-                    <a:bodyPr/>
-                    <a:lstStyle/>
-                    <a:p>
-                      <a:r>
-                        <a:rPr lang="en-US" altLang="zh-CN" dirty="0"/>
-                        <a:t>MONK-1</a:t>
-                      </a:r>
-                      <a:endParaRPr lang="zh-CN" altLang="en-US" dirty="0"/>
-                    </a:p>
-                  </a:txBody>
-                  <a:tcPr/>
-                </a:tc>
-                <a:tc>
-                  <a:txBody>
-                    <a:bodyPr/>
-                    <a:lstStyle/>
-                    <a:p>
-                      <a:r>
-                        <a:rPr lang="nb-NO" altLang="zh-CN" dirty="0"/>
-                        <a:t>1.0</a:t>
-                      </a:r>
-                      <a:endParaRPr lang="zh-CN" altLang="en-US" dirty="0"/>
-                    </a:p>
-                  </a:txBody>
-                  <a:tcPr/>
-                </a:tc>
-                <a:extLst>
-                  <a:ext uri="{0D108BD9-81ED-4DB2-BD59-A6C34878D82A}">
-                    <a16:rowId xmlns:a16="http://schemas.microsoft.com/office/drawing/2014/main" val="10001"/>
-                  </a:ext>
-                </a:extLst>
-              </a:tr>
-              <a:tr h="370840">
-                <a:tc>
-                  <a:txBody>
-                    <a:bodyPr/>
-                    <a:lstStyle/>
-                    <a:p>
-                      <a:r>
-                        <a:rPr lang="en-US" altLang="zh-CN" dirty="0"/>
-                        <a:t>MONK-2</a:t>
-                      </a:r>
-                      <a:endParaRPr lang="zh-CN" altLang="en-US" dirty="0"/>
-                    </a:p>
-                  </a:txBody>
-                  <a:tcPr/>
-                </a:tc>
-                <a:tc>
-                  <a:txBody>
-                    <a:bodyPr/>
-                    <a:lstStyle/>
-                    <a:p>
-                      <a:r>
-                        <a:rPr lang="is-IS" altLang="zh-CN" dirty="0"/>
-                        <a:t>0.957117428264771</a:t>
-                      </a:r>
-                      <a:endParaRPr lang="zh-CN" altLang="en-US" dirty="0"/>
-                    </a:p>
-                  </a:txBody>
-                  <a:tcPr/>
-                </a:tc>
-                <a:extLst>
-                  <a:ext uri="{0D108BD9-81ED-4DB2-BD59-A6C34878D82A}">
-                    <a16:rowId xmlns:a16="http://schemas.microsoft.com/office/drawing/2014/main" val="10002"/>
-                  </a:ext>
-                </a:extLst>
-              </a:tr>
-              <a:tr h="370840">
-                <a:tc>
-                  <a:txBody>
-                    <a:bodyPr/>
-                    <a:lstStyle/>
-                    <a:p>
-                      <a:r>
-                        <a:rPr lang="en-US" altLang="zh-CN" dirty="0"/>
-                        <a:t>MONK-3</a:t>
-                      </a:r>
-                      <a:endParaRPr lang="zh-CN" altLang="en-US" dirty="0"/>
-                    </a:p>
-                  </a:txBody>
-                  <a:tcPr/>
-                </a:tc>
-                <a:tc>
-                  <a:txBody>
-                    <a:bodyPr/>
-                    <a:lstStyle/>
-                    <a:p>
-                      <a:r>
-                        <a:rPr lang="cs-CZ" altLang="zh-CN" dirty="0"/>
-                        <a:t>0.9998061328047111</a:t>
-                      </a:r>
-                      <a:endParaRPr lang="zh-CN" altLang="en-US" dirty="0"/>
-                    </a:p>
-                  </a:txBody>
-                  <a:tcPr/>
-                </a:tc>
-                <a:extLst>
-                  <a:ext uri="{0D108BD9-81ED-4DB2-BD59-A6C34878D82A}">
-                    <a16:rowId xmlns:a16="http://schemas.microsoft.com/office/drawing/2014/main" val="10003"/>
-                  </a:ext>
-                </a:extLst>
-              </a:tr>
-            </a:tbl>
-          </a:graphicData>
-        </a:graphic>
-      </p:graphicFrame>
+      <p:pic>
+        <p:nvPicPr>
+          <p:cNvPr id="9" name="Picture 8">
+            <a:extLst>
+              <a:ext uri="{FF2B5EF4-FFF2-40B4-BE49-F238E27FC236}">
+                <a16:creationId xmlns:a16="http://schemas.microsoft.com/office/drawing/2014/main" id="{3D2DD919-130C-46FF-94D0-5E111D0D47C5}"/>
+              </a:ext>
+            </a:extLst>
+          </p:cNvPr>
+          <p:cNvPicPr>
+            <a:picLocks noChangeAspect="1"/>
+          </p:cNvPicPr>
+          <p:nvPr/>
+        </p:nvPicPr>
+        <p:blipFill>
+          <a:blip r:embed="rId4" cstate="screen">
+            <a:extLst>
+              <a:ext uri="{28A0092B-C50C-407E-A947-70E740481C1C}">
+                <a14:useLocalDpi xmlns:a14="http://schemas.microsoft.com/office/drawing/2010/main" val="0"/>
+              </a:ext>
+            </a:extLst>
+          </a:blip>
+          <a:stretch>
+            <a:fillRect/>
+          </a:stretch>
+        </p:blipFill>
+        <p:spPr>
+          <a:xfrm>
+            <a:off x="4571999" y="1973710"/>
+            <a:ext cx="3809314" cy="2856986"/>
+          </a:xfrm>
+          <a:prstGeom prst="rect">
+            <a:avLst/>
+          </a:prstGeom>
+        </p:spPr>
+      </p:pic>
+      <p:pic>
+        <p:nvPicPr>
+          <p:cNvPr id="11" name="Picture 10">
+            <a:extLst>
+              <a:ext uri="{FF2B5EF4-FFF2-40B4-BE49-F238E27FC236}">
+                <a16:creationId xmlns:a16="http://schemas.microsoft.com/office/drawing/2014/main" id="{8388FE9B-18F5-40AB-A8E2-C830EDB9AB30}"/>
+              </a:ext>
+            </a:extLst>
+          </p:cNvPr>
+          <p:cNvPicPr>
+            <a:picLocks noChangeAspect="1"/>
+          </p:cNvPicPr>
+          <p:nvPr/>
+        </p:nvPicPr>
+        <p:blipFill>
+          <a:blip r:embed="rId5" cstate="screen">
+            <a:extLst>
+              <a:ext uri="{28A0092B-C50C-407E-A947-70E740481C1C}">
+                <a14:useLocalDpi xmlns:a14="http://schemas.microsoft.com/office/drawing/2010/main" val="0"/>
+              </a:ext>
+            </a:extLst>
+          </a:blip>
+          <a:stretch>
+            <a:fillRect/>
+          </a:stretch>
+        </p:blipFill>
+        <p:spPr>
+          <a:xfrm>
+            <a:off x="540588" y="1945052"/>
+            <a:ext cx="3809315" cy="2856986"/>
+          </a:xfrm>
+          <a:prstGeom prst="rect">
+            <a:avLst/>
+          </a:prstGeom>
+        </p:spPr>
+      </p:pic>
     </p:spTree>
     <p:extLst>
       <p:ext uri="{BB962C8B-B14F-4D97-AF65-F5344CB8AC3E}">
@@ -13409,7 +11023,7 @@
           <a:p>
             <a:r>
               <a:rPr lang="en-US" altLang="zh-CN" dirty="0"/>
-              <a:t>Lab 1 Decision Tree</a:t>
+              <a:t>Lab 2 Support Vector Machine</a:t>
             </a:r>
             <a:endParaRPr lang="en-GB" dirty="0"/>
           </a:p>
@@ -13475,7 +11089,13 @@
       </p:sp>
       <p:pic>
         <p:nvPicPr>
-          <p:cNvPr id="2" name="图片 1"/>
+          <p:cNvPr id="5" name="Picture 4">
+            <a:extLst>
+              <a:ext uri="{FF2B5EF4-FFF2-40B4-BE49-F238E27FC236}">
+                <a16:creationId xmlns:a16="http://schemas.microsoft.com/office/drawing/2014/main" id="{55A6286D-251D-4859-BEED-CD68B4B34FC1}"/>
+              </a:ext>
+            </a:extLst>
+          </p:cNvPr>
           <p:cNvPicPr>
             <a:picLocks noChangeAspect="1"/>
           </p:cNvPicPr>
@@ -13489,8 +11109,8 @@
         </p:blipFill>
         <p:spPr>
           <a:xfrm>
-            <a:off x="1060463" y="925626"/>
-            <a:ext cx="7200000" cy="1222642"/>
+            <a:off x="710241" y="1000501"/>
+            <a:ext cx="7723517" cy="1070760"/>
           </a:xfrm>
           <a:prstGeom prst="rect">
             <a:avLst/>
@@ -13499,7 +11119,13 @@
       </p:pic>
       <p:pic>
         <p:nvPicPr>
-          <p:cNvPr id="7" name="图片 6"/>
+          <p:cNvPr id="11" name="Picture 10">
+            <a:extLst>
+              <a:ext uri="{FF2B5EF4-FFF2-40B4-BE49-F238E27FC236}">
+                <a16:creationId xmlns:a16="http://schemas.microsoft.com/office/drawing/2014/main" id="{8DBE3591-4B9C-4BDE-9696-6E030023836D}"/>
+              </a:ext>
+            </a:extLst>
+          </p:cNvPr>
           <p:cNvPicPr>
             <a:picLocks noChangeAspect="1"/>
           </p:cNvPicPr>
@@ -13519,8 +11145,44 @@
         </p:blipFill>
         <p:spPr>
           <a:xfrm>
-            <a:off x="1060463" y="2348894"/>
-            <a:ext cx="7200000" cy="2400000"/>
+            <a:off x="4783918" y="2129567"/>
+            <a:ext cx="3437920" cy="2578440"/>
+          </a:xfrm>
+          <a:prstGeom prst="rect">
+            <a:avLst/>
+          </a:prstGeom>
+        </p:spPr>
+      </p:pic>
+      <p:pic>
+        <p:nvPicPr>
+          <p:cNvPr id="13" name="Picture 12">
+            <a:extLst>
+              <a:ext uri="{FF2B5EF4-FFF2-40B4-BE49-F238E27FC236}">
+                <a16:creationId xmlns:a16="http://schemas.microsoft.com/office/drawing/2014/main" id="{2882005C-5AF5-4E36-B1DF-5A44C2ABE125}"/>
+              </a:ext>
+            </a:extLst>
+          </p:cNvPr>
+          <p:cNvPicPr>
+            <a:picLocks noChangeAspect="1"/>
+          </p:cNvPicPr>
+          <p:nvPr/>
+        </p:nvPicPr>
+        <p:blipFill>
+          <a:blip r:embed="rId5" cstate="screen">
+            <a:extLst>
+              <a:ext uri="{28A0092B-C50C-407E-A947-70E740481C1C}">
+                <a14:useLocalDpi xmlns:a14="http://schemas.microsoft.com/office/drawing/2010/main" val="0"/>
+              </a:ext>
+            </a:extLst>
+          </a:blip>
+          <a:stretch>
+            <a:fillRect/>
+          </a:stretch>
+        </p:blipFill>
+        <p:spPr>
+          <a:xfrm>
+            <a:off x="978595" y="2071261"/>
+            <a:ext cx="3593404" cy="2695053"/>
           </a:xfrm>
           <a:prstGeom prst="rect">
             <a:avLst/>
@@ -13592,7 +11254,7 @@
           <a:p>
             <a:r>
               <a:rPr lang="en-US" altLang="zh-CN" dirty="0"/>
-              <a:t>Lab 1 Decision Tree</a:t>
+              <a:t>Lab 2 Support Vector Machine</a:t>
             </a:r>
             <a:endParaRPr lang="en-GB" dirty="0"/>
           </a:p>
@@ -13658,7 +11320,13 @@
       </p:sp>
       <p:pic>
         <p:nvPicPr>
-          <p:cNvPr id="2" name="图片 1"/>
+          <p:cNvPr id="6" name="Picture 5">
+            <a:extLst>
+              <a:ext uri="{FF2B5EF4-FFF2-40B4-BE49-F238E27FC236}">
+                <a16:creationId xmlns:a16="http://schemas.microsoft.com/office/drawing/2014/main" id="{D5FF798A-11A6-40C6-9F73-2EE89F8DB054}"/>
+              </a:ext>
+            </a:extLst>
+          </p:cNvPr>
           <p:cNvPicPr>
             <a:picLocks noChangeAspect="1"/>
           </p:cNvPicPr>
@@ -13672,631 +11340,86 @@
         </p:blipFill>
         <p:spPr>
           <a:xfrm>
-            <a:off x="1060463" y="925626"/>
-            <a:ext cx="7200000" cy="2236971"/>
+            <a:off x="644105" y="1028040"/>
+            <a:ext cx="7855789" cy="765096"/>
           </a:xfrm>
           <a:prstGeom prst="rect">
             <a:avLst/>
           </a:prstGeom>
         </p:spPr>
       </p:pic>
-      <p:graphicFrame>
-        <p:nvGraphicFramePr>
-          <p:cNvPr id="5" name="表格 4"/>
-          <p:cNvGraphicFramePr>
-            <a:graphicFrameLocks noGrp="1"/>
-          </p:cNvGraphicFramePr>
-          <p:nvPr>
-            <p:extLst>
-              <p:ext uri="{D42A27DB-BD31-4B8C-83A1-F6EECF244321}">
-                <p14:modId xmlns:p14="http://schemas.microsoft.com/office/powerpoint/2010/main" val="2078700211"/>
-              </p:ext>
-            </p:extLst>
-          </p:nvPr>
-        </p:nvGraphicFramePr>
-        <p:xfrm>
-          <a:off x="1060464" y="3311772"/>
-          <a:ext cx="7199999" cy="1478280"/>
-        </p:xfrm>
-        <a:graphic>
-          <a:graphicData uri="http://schemas.openxmlformats.org/drawingml/2006/table">
-            <a:tbl>
-              <a:tblPr firstRow="1" bandRow="1">
-                <a:tableStyleId>{5C22544A-7EE6-4342-B048-85BDC9FD1C3A}</a:tableStyleId>
-              </a:tblPr>
-              <a:tblGrid>
-                <a:gridCol w="1293199">
-                  <a:extLst>
-                    <a:ext uri="{9D8B030D-6E8A-4147-A177-3AD203B41FA5}">
-                      <a16:colId xmlns:a16="http://schemas.microsoft.com/office/drawing/2014/main" val="20000"/>
-                    </a:ext>
-                  </a:extLst>
-                </a:gridCol>
-                <a:gridCol w="925715">
-                  <a:extLst>
-                    <a:ext uri="{9D8B030D-6E8A-4147-A177-3AD203B41FA5}">
-                      <a16:colId xmlns:a16="http://schemas.microsoft.com/office/drawing/2014/main" val="20001"/>
-                    </a:ext>
-                  </a:extLst>
-                </a:gridCol>
-                <a:gridCol w="976936">
-                  <a:extLst>
-                    <a:ext uri="{9D8B030D-6E8A-4147-A177-3AD203B41FA5}">
-                      <a16:colId xmlns:a16="http://schemas.microsoft.com/office/drawing/2014/main" val="20002"/>
-                    </a:ext>
-                  </a:extLst>
-                </a:gridCol>
-                <a:gridCol w="968829">
-                  <a:extLst>
-                    <a:ext uri="{9D8B030D-6E8A-4147-A177-3AD203B41FA5}">
-                      <a16:colId xmlns:a16="http://schemas.microsoft.com/office/drawing/2014/main" val="20003"/>
-                    </a:ext>
-                  </a:extLst>
-                </a:gridCol>
-                <a:gridCol w="1034143">
-                  <a:extLst>
-                    <a:ext uri="{9D8B030D-6E8A-4147-A177-3AD203B41FA5}">
-                      <a16:colId xmlns:a16="http://schemas.microsoft.com/office/drawing/2014/main" val="20004"/>
-                    </a:ext>
-                  </a:extLst>
-                </a:gridCol>
-                <a:gridCol w="972606">
-                  <a:extLst>
-                    <a:ext uri="{9D8B030D-6E8A-4147-A177-3AD203B41FA5}">
-                      <a16:colId xmlns:a16="http://schemas.microsoft.com/office/drawing/2014/main" val="20005"/>
-                    </a:ext>
-                  </a:extLst>
-                </a:gridCol>
-                <a:gridCol w="1028571">
-                  <a:extLst>
-                    <a:ext uri="{9D8B030D-6E8A-4147-A177-3AD203B41FA5}">
-                      <a16:colId xmlns:a16="http://schemas.microsoft.com/office/drawing/2014/main" val="20006"/>
-                    </a:ext>
-                  </a:extLst>
-                </a:gridCol>
-              </a:tblGrid>
-              <a:tr h="0">
-                <a:tc>
-                  <a:txBody>
-                    <a:bodyPr/>
-                    <a:lstStyle/>
-                    <a:p>
-                      <a:pPr algn="ctr"/>
-                      <a:r>
-                        <a:rPr lang="en-US" altLang="zh-CN" dirty="0"/>
-                        <a:t>Dataset</a:t>
-                      </a:r>
-                      <a:endParaRPr lang="zh-CN" altLang="en-US" dirty="0"/>
-                    </a:p>
-                  </a:txBody>
-                  <a:tcPr anchor="ctr"/>
-                </a:tc>
-                <a:tc>
-                  <a:txBody>
-                    <a:bodyPr/>
-                    <a:lstStyle/>
-                    <a:p>
-                      <a:pPr algn="ctr"/>
-                      <a:r>
-                        <a:rPr lang="en-US" altLang="zh-CN" dirty="0"/>
-                        <a:t>a1</a:t>
-                      </a:r>
-                      <a:endParaRPr lang="zh-CN" altLang="en-US" dirty="0"/>
-                    </a:p>
-                  </a:txBody>
-                  <a:tcPr anchor="ctr"/>
-                </a:tc>
-                <a:tc>
-                  <a:txBody>
-                    <a:bodyPr/>
-                    <a:lstStyle/>
-                    <a:p>
-                      <a:pPr algn="ctr"/>
-                      <a:r>
-                        <a:rPr lang="en-US" altLang="zh-CN" dirty="0"/>
-                        <a:t>a2</a:t>
-                      </a:r>
-                      <a:endParaRPr lang="zh-CN" altLang="en-US" dirty="0"/>
-                    </a:p>
-                  </a:txBody>
-                  <a:tcPr anchor="ctr"/>
-                </a:tc>
-                <a:tc>
-                  <a:txBody>
-                    <a:bodyPr/>
-                    <a:lstStyle/>
-                    <a:p>
-                      <a:pPr algn="ctr"/>
-                      <a:r>
-                        <a:rPr lang="en-US" altLang="zh-CN" dirty="0"/>
-                        <a:t>a3</a:t>
-                      </a:r>
-                      <a:endParaRPr lang="zh-CN" altLang="en-US" dirty="0"/>
-                    </a:p>
-                  </a:txBody>
-                  <a:tcPr anchor="ctr"/>
-                </a:tc>
-                <a:tc>
-                  <a:txBody>
-                    <a:bodyPr/>
-                    <a:lstStyle/>
-                    <a:p>
-                      <a:pPr algn="ctr"/>
-                      <a:r>
-                        <a:rPr lang="en-US" altLang="zh-CN" dirty="0"/>
-                        <a:t>a4</a:t>
-                      </a:r>
-                      <a:endParaRPr lang="zh-CN" altLang="en-US" dirty="0"/>
-                    </a:p>
-                  </a:txBody>
-                  <a:tcPr anchor="ctr"/>
-                </a:tc>
-                <a:tc>
-                  <a:txBody>
-                    <a:bodyPr/>
-                    <a:lstStyle/>
-                    <a:p>
-                      <a:pPr algn="ctr"/>
-                      <a:r>
-                        <a:rPr lang="en-US" altLang="zh-CN" dirty="0"/>
-                        <a:t>a5</a:t>
-                      </a:r>
-                      <a:endParaRPr lang="zh-CN" altLang="en-US" dirty="0"/>
-                    </a:p>
-                  </a:txBody>
-                  <a:tcPr anchor="ctr"/>
-                </a:tc>
-                <a:tc>
-                  <a:txBody>
-                    <a:bodyPr/>
-                    <a:lstStyle/>
-                    <a:p>
-                      <a:pPr algn="ctr"/>
-                      <a:r>
-                        <a:rPr lang="en-US" altLang="zh-CN" dirty="0"/>
-                        <a:t>a6</a:t>
-                      </a:r>
-                      <a:endParaRPr lang="zh-CN" altLang="en-US" dirty="0"/>
-                    </a:p>
-                  </a:txBody>
-                  <a:tcPr anchor="ctr"/>
-                </a:tc>
-                <a:extLst>
-                  <a:ext uri="{0D108BD9-81ED-4DB2-BD59-A6C34878D82A}">
-                    <a16:rowId xmlns:a16="http://schemas.microsoft.com/office/drawing/2014/main" val="10000"/>
-                  </a:ext>
-                </a:extLst>
-              </a:tr>
-              <a:tr h="370840">
-                <a:tc>
-                  <a:txBody>
-                    <a:bodyPr/>
-                    <a:lstStyle/>
-                    <a:p>
-                      <a:pPr algn="ctr"/>
-                      <a:r>
-                        <a:rPr lang="en-US" altLang="zh-CN" dirty="0"/>
-                        <a:t>MONK-1</a:t>
-                      </a:r>
-                      <a:endParaRPr lang="zh-CN" altLang="en-US" dirty="0"/>
-                    </a:p>
-                  </a:txBody>
-                  <a:tcPr anchor="ctr"/>
-                </a:tc>
-                <a:tc>
-                  <a:txBody>
-                    <a:bodyPr/>
-                    <a:lstStyle/>
-                    <a:p>
-                      <a:pPr algn="ctr" fontAlgn="b"/>
-                      <a:r>
-                        <a:rPr lang="is-IS" sz="1200" b="0" i="0" u="none" strike="noStrike" dirty="0">
-                          <a:solidFill>
-                            <a:srgbClr val="000000"/>
-                          </a:solidFill>
-                          <a:effectLst/>
-                          <a:latin typeface="DengXian" charset="-122"/>
-                        </a:rPr>
-                        <a:t>0.07527256</a:t>
-                      </a:r>
-                    </a:p>
-                  </a:txBody>
-                  <a:tcPr marL="6350" marR="6350" marT="6350" marB="0" anchor="ctr"/>
-                </a:tc>
-                <a:tc>
-                  <a:txBody>
-                    <a:bodyPr/>
-                    <a:lstStyle/>
-                    <a:p>
-                      <a:pPr algn="ctr" fontAlgn="b"/>
-                      <a:r>
-                        <a:rPr lang="is-IS" sz="1200" b="0" i="0" u="none" strike="noStrike" dirty="0">
-                          <a:solidFill>
-                            <a:srgbClr val="000000"/>
-                          </a:solidFill>
-                          <a:effectLst/>
-                          <a:latin typeface="DengXian" charset="-122"/>
-                        </a:rPr>
-                        <a:t>0.00583843</a:t>
-                      </a:r>
-                    </a:p>
-                  </a:txBody>
-                  <a:tcPr marL="6350" marR="6350" marT="6350" marB="0" anchor="ctr"/>
-                </a:tc>
-                <a:tc>
-                  <a:txBody>
-                    <a:bodyPr/>
-                    <a:lstStyle/>
-                    <a:p>
-                      <a:pPr algn="ctr" fontAlgn="b"/>
-                      <a:r>
-                        <a:rPr lang="is-IS" sz="1200" b="0" i="0" u="none" strike="noStrike" dirty="0">
-                          <a:solidFill>
-                            <a:srgbClr val="000000"/>
-                          </a:solidFill>
-                          <a:effectLst/>
-                          <a:latin typeface="DengXian" charset="-122"/>
-                        </a:rPr>
-                        <a:t>0.00470757</a:t>
-                      </a:r>
-                    </a:p>
-                  </a:txBody>
-                  <a:tcPr marL="6350" marR="6350" marT="6350" marB="0" anchor="ctr"/>
-                </a:tc>
-                <a:tc>
-                  <a:txBody>
-                    <a:bodyPr/>
-                    <a:lstStyle/>
-                    <a:p>
-                      <a:pPr algn="ctr" fontAlgn="b"/>
-                      <a:r>
-                        <a:rPr lang="is-IS" sz="1200" b="0" i="0" u="none" strike="noStrike">
-                          <a:solidFill>
-                            <a:srgbClr val="000000"/>
-                          </a:solidFill>
-                          <a:effectLst/>
-                          <a:latin typeface="DengXian" charset="-122"/>
-                        </a:rPr>
-                        <a:t>0.0263117</a:t>
-                      </a:r>
-                    </a:p>
-                  </a:txBody>
-                  <a:tcPr marL="6350" marR="6350" marT="6350" marB="0" anchor="ctr"/>
-                </a:tc>
-                <a:tc>
-                  <a:txBody>
-                    <a:bodyPr/>
-                    <a:lstStyle/>
-                    <a:p>
-                      <a:pPr algn="ctr" fontAlgn="b"/>
-                      <a:r>
-                        <a:rPr lang="fi-FI" sz="1200" b="1" i="0" u="none" strike="noStrike" dirty="0">
-                          <a:solidFill>
-                            <a:srgbClr val="000000"/>
-                          </a:solidFill>
-                          <a:effectLst/>
-                          <a:latin typeface="DengXian" charset="-122"/>
-                        </a:rPr>
-                        <a:t>0.28703075</a:t>
-                      </a:r>
-                    </a:p>
-                  </a:txBody>
-                  <a:tcPr marL="6350" marR="6350" marT="6350" marB="0" anchor="ctr"/>
-                </a:tc>
-                <a:tc>
-                  <a:txBody>
-                    <a:bodyPr/>
-                    <a:lstStyle/>
-                    <a:p>
-                      <a:pPr algn="ctr" fontAlgn="b"/>
-                      <a:r>
-                        <a:rPr lang="is-IS" sz="1200" b="0" i="0" u="none" strike="noStrike" dirty="0">
-                          <a:solidFill>
-                            <a:srgbClr val="000000"/>
-                          </a:solidFill>
-                          <a:effectLst/>
-                          <a:latin typeface="DengXian" charset="-122"/>
-                        </a:rPr>
-                        <a:t>0.00075786</a:t>
-                      </a:r>
-                    </a:p>
-                  </a:txBody>
-                  <a:tcPr marL="6350" marR="6350" marT="6350" marB="0" anchor="ctr"/>
-                </a:tc>
-                <a:extLst>
-                  <a:ext uri="{0D108BD9-81ED-4DB2-BD59-A6C34878D82A}">
-                    <a16:rowId xmlns:a16="http://schemas.microsoft.com/office/drawing/2014/main" val="10001"/>
-                  </a:ext>
-                </a:extLst>
-              </a:tr>
-              <a:tr h="370840">
-                <a:tc>
-                  <a:txBody>
-                    <a:bodyPr/>
-                    <a:lstStyle/>
-                    <a:p>
-                      <a:pPr algn="ctr"/>
-                      <a:r>
-                        <a:rPr lang="en-US" altLang="zh-CN" dirty="0"/>
-                        <a:t>MONK-2</a:t>
-                      </a:r>
-                      <a:endParaRPr lang="zh-CN" altLang="en-US" dirty="0"/>
-                    </a:p>
-                  </a:txBody>
-                  <a:tcPr anchor="ctr"/>
-                </a:tc>
-                <a:tc>
-                  <a:txBody>
-                    <a:bodyPr/>
-                    <a:lstStyle/>
-                    <a:p>
-                      <a:pPr algn="ctr" fontAlgn="b"/>
-                      <a:r>
-                        <a:rPr lang="nb-NO" sz="1200" b="0" i="0" u="none" strike="noStrike">
-                          <a:solidFill>
-                            <a:srgbClr val="000000"/>
-                          </a:solidFill>
-                          <a:effectLst/>
-                          <a:latin typeface="DengXian" charset="-122"/>
-                        </a:rPr>
-                        <a:t>0.00375618</a:t>
-                      </a:r>
-                    </a:p>
-                  </a:txBody>
-                  <a:tcPr marL="6350" marR="6350" marT="6350" marB="0" anchor="ctr"/>
-                </a:tc>
-                <a:tc>
-                  <a:txBody>
-                    <a:bodyPr/>
-                    <a:lstStyle/>
-                    <a:p>
-                      <a:pPr algn="ctr" fontAlgn="b"/>
-                      <a:r>
-                        <a:rPr lang="en-US" sz="1200" b="0" i="0" u="none" strike="noStrike" dirty="0">
-                          <a:solidFill>
-                            <a:srgbClr val="000000"/>
-                          </a:solidFill>
-                          <a:effectLst/>
-                          <a:latin typeface="DengXian" charset="-122"/>
-                        </a:rPr>
-                        <a:t>0.0024585</a:t>
-                      </a:r>
-                    </a:p>
-                  </a:txBody>
-                  <a:tcPr marL="6350" marR="6350" marT="6350" marB="0" anchor="ctr"/>
-                </a:tc>
-                <a:tc>
-                  <a:txBody>
-                    <a:bodyPr/>
-                    <a:lstStyle/>
-                    <a:p>
-                      <a:pPr algn="ctr" fontAlgn="b"/>
-                      <a:r>
-                        <a:rPr lang="is-IS" sz="1200" b="0" i="0" u="none" strike="noStrike" dirty="0">
-                          <a:solidFill>
-                            <a:srgbClr val="000000"/>
-                          </a:solidFill>
-                          <a:effectLst/>
-                          <a:latin typeface="DengXian" charset="-122"/>
-                        </a:rPr>
-                        <a:t>0.00105615</a:t>
-                      </a:r>
-                    </a:p>
-                  </a:txBody>
-                  <a:tcPr marL="6350" marR="6350" marT="6350" marB="0" anchor="ctr"/>
-                </a:tc>
-                <a:tc>
-                  <a:txBody>
-                    <a:bodyPr/>
-                    <a:lstStyle/>
-                    <a:p>
-                      <a:pPr algn="ctr" fontAlgn="b"/>
-                      <a:r>
-                        <a:rPr lang="nb-NO" sz="1200" b="0" i="0" u="none" strike="noStrike" dirty="0">
-                          <a:solidFill>
-                            <a:srgbClr val="000000"/>
-                          </a:solidFill>
-                          <a:effectLst/>
-                          <a:latin typeface="DengXian" charset="-122"/>
-                        </a:rPr>
-                        <a:t>0.01566425</a:t>
-                      </a:r>
-                    </a:p>
-                  </a:txBody>
-                  <a:tcPr marL="6350" marR="6350" marT="6350" marB="0" anchor="ctr"/>
-                </a:tc>
-                <a:tc>
-                  <a:txBody>
-                    <a:bodyPr/>
-                    <a:lstStyle/>
-                    <a:p>
-                      <a:pPr algn="ctr" fontAlgn="b"/>
-                      <a:r>
-                        <a:rPr lang="nb-NO" sz="1200" b="1" i="0" u="none" strike="noStrike" dirty="0">
-                          <a:solidFill>
-                            <a:srgbClr val="000000"/>
-                          </a:solidFill>
-                          <a:effectLst/>
-                          <a:latin typeface="DengXian" charset="-122"/>
-                        </a:rPr>
-                        <a:t>0.01727718</a:t>
-                      </a:r>
-                    </a:p>
-                  </a:txBody>
-                  <a:tcPr marL="6350" marR="6350" marT="6350" marB="0" anchor="ctr"/>
-                </a:tc>
-                <a:tc>
-                  <a:txBody>
-                    <a:bodyPr/>
-                    <a:lstStyle/>
-                    <a:p>
-                      <a:pPr algn="ctr" fontAlgn="b"/>
-                      <a:r>
-                        <a:rPr lang="is-IS" sz="1200" b="0" i="0" u="none" strike="noStrike">
-                          <a:solidFill>
-                            <a:srgbClr val="000000"/>
-                          </a:solidFill>
-                          <a:effectLst/>
-                          <a:latin typeface="DengXian" charset="-122"/>
-                        </a:rPr>
-                        <a:t>0.00624762</a:t>
-                      </a:r>
-                    </a:p>
-                  </a:txBody>
-                  <a:tcPr marL="6350" marR="6350" marT="6350" marB="0" anchor="ctr"/>
-                </a:tc>
-                <a:extLst>
-                  <a:ext uri="{0D108BD9-81ED-4DB2-BD59-A6C34878D82A}">
-                    <a16:rowId xmlns:a16="http://schemas.microsoft.com/office/drawing/2014/main" val="10002"/>
-                  </a:ext>
-                </a:extLst>
-              </a:tr>
-              <a:tr h="370840">
-                <a:tc>
-                  <a:txBody>
-                    <a:bodyPr/>
-                    <a:lstStyle/>
-                    <a:p>
-                      <a:pPr algn="ctr"/>
-                      <a:r>
-                        <a:rPr lang="en-US" altLang="zh-CN" dirty="0"/>
-                        <a:t>MONK-3</a:t>
-                      </a:r>
-                      <a:endParaRPr lang="zh-CN" altLang="en-US" dirty="0"/>
-                    </a:p>
-                  </a:txBody>
-                  <a:tcPr anchor="ctr"/>
-                </a:tc>
-                <a:tc>
-                  <a:txBody>
-                    <a:bodyPr/>
-                    <a:lstStyle/>
-                    <a:p>
-                      <a:pPr algn="ctr" fontAlgn="b"/>
-                      <a:r>
-                        <a:rPr lang="is-IS" sz="1200" b="0" i="0" u="none" strike="noStrike">
-                          <a:solidFill>
-                            <a:srgbClr val="000000"/>
-                          </a:solidFill>
-                          <a:effectLst/>
-                          <a:latin typeface="DengXian" charset="-122"/>
-                        </a:rPr>
-                        <a:t>0.00712087</a:t>
-                      </a:r>
-                    </a:p>
-                  </a:txBody>
-                  <a:tcPr marL="6350" marR="6350" marT="6350" marB="0" anchor="ctr"/>
-                </a:tc>
-                <a:tc>
-                  <a:txBody>
-                    <a:bodyPr/>
-                    <a:lstStyle/>
-                    <a:p>
-                      <a:pPr algn="ctr" fontAlgn="b"/>
-                      <a:r>
-                        <a:rPr lang="is-IS" sz="1200" b="1" i="0" u="none" strike="noStrike" dirty="0">
-                          <a:solidFill>
-                            <a:srgbClr val="000000"/>
-                          </a:solidFill>
-                          <a:effectLst/>
-                          <a:latin typeface="DengXian" charset="-122"/>
-                        </a:rPr>
-                        <a:t>0.29373617</a:t>
-                      </a:r>
-                    </a:p>
-                  </a:txBody>
-                  <a:tcPr marL="6350" marR="6350" marT="6350" marB="0" anchor="ctr"/>
-                </a:tc>
-                <a:tc>
-                  <a:txBody>
-                    <a:bodyPr/>
-                    <a:lstStyle/>
-                    <a:p>
-                      <a:pPr algn="ctr" fontAlgn="b"/>
-                      <a:r>
-                        <a:rPr lang="cs-CZ" sz="1200" b="0" i="0" u="none" strike="noStrike" dirty="0">
-                          <a:solidFill>
-                            <a:srgbClr val="000000"/>
-                          </a:solidFill>
-                          <a:effectLst/>
-                          <a:latin typeface="DengXian" charset="-122"/>
-                        </a:rPr>
-                        <a:t>0.00083111</a:t>
-                      </a:r>
-                    </a:p>
-                  </a:txBody>
-                  <a:tcPr marL="6350" marR="6350" marT="6350" marB="0" anchor="ctr"/>
-                </a:tc>
-                <a:tc>
-                  <a:txBody>
-                    <a:bodyPr/>
-                    <a:lstStyle/>
-                    <a:p>
-                      <a:pPr algn="ctr" fontAlgn="b"/>
-                      <a:r>
-                        <a:rPr lang="nb-NO" sz="1200" b="0" i="0" u="none" strike="noStrike" dirty="0">
-                          <a:solidFill>
-                            <a:srgbClr val="000000"/>
-                          </a:solidFill>
-                          <a:effectLst/>
-                          <a:latin typeface="DengXian" charset="-122"/>
-                        </a:rPr>
-                        <a:t>0.00289182</a:t>
-                      </a:r>
-                    </a:p>
-                  </a:txBody>
-                  <a:tcPr marL="6350" marR="6350" marT="6350" marB="0" anchor="ctr"/>
-                </a:tc>
-                <a:tc>
-                  <a:txBody>
-                    <a:bodyPr/>
-                    <a:lstStyle/>
-                    <a:p>
-                      <a:pPr algn="ctr" fontAlgn="b"/>
-                      <a:r>
-                        <a:rPr lang="nb-NO" sz="1200" b="0" i="0" u="none" strike="noStrike" dirty="0">
-                          <a:solidFill>
-                            <a:srgbClr val="000000"/>
-                          </a:solidFill>
-                          <a:effectLst/>
-                          <a:latin typeface="DengXian" charset="-122"/>
-                        </a:rPr>
-                        <a:t>0.25591172</a:t>
-                      </a:r>
-                    </a:p>
-                  </a:txBody>
-                  <a:tcPr marL="6350" marR="6350" marT="6350" marB="0" anchor="ctr"/>
-                </a:tc>
-                <a:tc>
-                  <a:txBody>
-                    <a:bodyPr/>
-                    <a:lstStyle/>
-                    <a:p>
-                      <a:pPr algn="ctr" fontAlgn="b"/>
-                      <a:r>
-                        <a:rPr lang="is-IS" sz="1200" b="0" i="0" u="none" strike="noStrike" dirty="0">
-                          <a:solidFill>
-                            <a:srgbClr val="000000"/>
-                          </a:solidFill>
-                          <a:effectLst/>
-                          <a:latin typeface="DengXian" charset="-122"/>
-                        </a:rPr>
-                        <a:t>0.00707703</a:t>
-                      </a:r>
-                    </a:p>
-                  </a:txBody>
-                  <a:tcPr marL="6350" marR="6350" marT="6350" marB="0" anchor="ctr"/>
-                </a:tc>
-                <a:extLst>
-                  <a:ext uri="{0D108BD9-81ED-4DB2-BD59-A6C34878D82A}">
-                    <a16:rowId xmlns:a16="http://schemas.microsoft.com/office/drawing/2014/main" val="10003"/>
-                  </a:ext>
-                </a:extLst>
-              </a:tr>
-            </a:tbl>
-          </a:graphicData>
-        </a:graphic>
-      </p:graphicFrame>
+      <p:pic>
+        <p:nvPicPr>
+          <p:cNvPr id="11" name="Picture 10">
+            <a:extLst>
+              <a:ext uri="{FF2B5EF4-FFF2-40B4-BE49-F238E27FC236}">
+                <a16:creationId xmlns:a16="http://schemas.microsoft.com/office/drawing/2014/main" id="{578D0E51-781D-47CC-9F7E-8C0F6E78DFC3}"/>
+              </a:ext>
+            </a:extLst>
+          </p:cNvPr>
+          <p:cNvPicPr>
+            <a:picLocks noChangeAspect="1"/>
+          </p:cNvPicPr>
+          <p:nvPr/>
+        </p:nvPicPr>
+        <p:blipFill>
+          <a:blip r:embed="rId4" cstate="screen">
+            <a:extLst>
+              <a:ext uri="{28A0092B-C50C-407E-A947-70E740481C1C}">
+                <a14:useLocalDpi xmlns:a14="http://schemas.microsoft.com/office/drawing/2010/main" val="0"/>
+              </a:ext>
+            </a:extLst>
+          </a:blip>
+          <a:stretch>
+            <a:fillRect/>
+          </a:stretch>
+        </p:blipFill>
+        <p:spPr>
+          <a:xfrm>
+            <a:off x="394382" y="1793136"/>
+            <a:ext cx="3827685" cy="2870764"/>
+          </a:xfrm>
+          <a:prstGeom prst="rect">
+            <a:avLst/>
+          </a:prstGeom>
+        </p:spPr>
+      </p:pic>
+      <p:pic>
+        <p:nvPicPr>
+          <p:cNvPr id="13" name="Picture 12">
+            <a:extLst>
+              <a:ext uri="{FF2B5EF4-FFF2-40B4-BE49-F238E27FC236}">
+                <a16:creationId xmlns:a16="http://schemas.microsoft.com/office/drawing/2014/main" id="{42922B21-1818-4757-92C5-C8CAF74AC785}"/>
+              </a:ext>
+            </a:extLst>
+          </p:cNvPr>
+          <p:cNvPicPr>
+            <a:picLocks noChangeAspect="1"/>
+          </p:cNvPicPr>
+          <p:nvPr/>
+        </p:nvPicPr>
+        <p:blipFill>
+          <a:blip r:embed="rId5" cstate="screen">
+            <a:extLst>
+              <a:ext uri="{28A0092B-C50C-407E-A947-70E740481C1C}">
+                <a14:useLocalDpi xmlns:a14="http://schemas.microsoft.com/office/drawing/2010/main" val="0"/>
+              </a:ext>
+            </a:extLst>
+          </a:blip>
+          <a:stretch>
+            <a:fillRect/>
+          </a:stretch>
+        </p:blipFill>
+        <p:spPr>
+          <a:xfrm>
+            <a:off x="4836891" y="1856257"/>
+            <a:ext cx="3702463" cy="2776847"/>
+          </a:xfrm>
+          <a:prstGeom prst="rect">
+            <a:avLst/>
+          </a:prstGeom>
+        </p:spPr>
+      </p:pic>
     </p:spTree>
     <p:extLst>
       <p:ext uri="{BB962C8B-B14F-4D97-AF65-F5344CB8AC3E}">
@@ -14362,7 +11485,7 @@
           <a:p>
             <a:r>
               <a:rPr lang="en-US" altLang="zh-CN" dirty="0"/>
-              <a:t>Lab 1 Decision Tree</a:t>
+              <a:t>Lab 2 Support Vector Machine</a:t>
             </a:r>
             <a:endParaRPr lang="en-GB" dirty="0"/>
           </a:p>
@@ -14428,7 +11551,13 @@
       </p:sp>
       <p:pic>
         <p:nvPicPr>
-          <p:cNvPr id="2" name="图片 1"/>
+          <p:cNvPr id="5" name="Picture 4">
+            <a:extLst>
+              <a:ext uri="{FF2B5EF4-FFF2-40B4-BE49-F238E27FC236}">
+                <a16:creationId xmlns:a16="http://schemas.microsoft.com/office/drawing/2014/main" id="{A7DDA450-7347-413A-B46C-B90945DF9039}"/>
+              </a:ext>
+            </a:extLst>
+          </p:cNvPr>
           <p:cNvPicPr>
             <a:picLocks noChangeAspect="1"/>
           </p:cNvPicPr>
@@ -14442,8 +11571,8 @@
         </p:blipFill>
         <p:spPr>
           <a:xfrm>
-            <a:off x="1060463" y="935349"/>
-            <a:ext cx="7200000" cy="2002224"/>
+            <a:off x="795571" y="1004449"/>
+            <a:ext cx="7552857" cy="1049486"/>
           </a:xfrm>
           <a:prstGeom prst="rect">
             <a:avLst/>
@@ -14452,7 +11581,13 @@
       </p:pic>
       <p:pic>
         <p:nvPicPr>
-          <p:cNvPr id="7" name="图片 6"/>
+          <p:cNvPr id="6" name="Picture 5">
+            <a:extLst>
+              <a:ext uri="{FF2B5EF4-FFF2-40B4-BE49-F238E27FC236}">
+                <a16:creationId xmlns:a16="http://schemas.microsoft.com/office/drawing/2014/main" id="{FF5E2CA5-0573-4518-8A2A-E97327B30773}"/>
+              </a:ext>
+            </a:extLst>
+          </p:cNvPr>
           <p:cNvPicPr>
             <a:picLocks noChangeAspect="1"/>
           </p:cNvPicPr>
@@ -14466,8 +11601,8 @@
         </p:blipFill>
         <p:spPr>
           <a:xfrm>
-            <a:off x="143248" y="3584491"/>
-            <a:ext cx="2880000" cy="718111"/>
+            <a:off x="5079712" y="2132758"/>
+            <a:ext cx="3268716" cy="2624587"/>
           </a:xfrm>
           <a:prstGeom prst="rect">
             <a:avLst/>
@@ -14476,7 +11611,13 @@
       </p:pic>
       <p:pic>
         <p:nvPicPr>
-          <p:cNvPr id="9" name="图片 8"/>
+          <p:cNvPr id="11" name="Picture 10">
+            <a:extLst>
+              <a:ext uri="{FF2B5EF4-FFF2-40B4-BE49-F238E27FC236}">
+                <a16:creationId xmlns:a16="http://schemas.microsoft.com/office/drawing/2014/main" id="{1720BF17-AB21-4A43-8BA1-38FA3B6FB638}"/>
+              </a:ext>
+            </a:extLst>
+          </p:cNvPr>
           <p:cNvPicPr>
             <a:picLocks noChangeAspect="1"/>
           </p:cNvPicPr>
@@ -14490,32 +11631,8 @@
         </p:blipFill>
         <p:spPr>
           <a:xfrm>
-            <a:off x="3150538" y="3576932"/>
-            <a:ext cx="2880000" cy="733228"/>
-          </a:xfrm>
-          <a:prstGeom prst="rect">
-            <a:avLst/>
-          </a:prstGeom>
-        </p:spPr>
-      </p:pic>
-      <p:pic>
-        <p:nvPicPr>
-          <p:cNvPr id="10" name="图片 9"/>
-          <p:cNvPicPr>
-            <a:picLocks noChangeAspect="1"/>
-          </p:cNvPicPr>
-          <p:nvPr/>
-        </p:nvPicPr>
-        <p:blipFill>
-          <a:blip r:embed="rId6"/>
-          <a:stretch>
-            <a:fillRect/>
-          </a:stretch>
-        </p:blipFill>
-        <p:spPr>
-          <a:xfrm>
-            <a:off x="6157828" y="3584491"/>
-            <a:ext cx="2880000" cy="583579"/>
+            <a:off x="1000282" y="2183202"/>
+            <a:ext cx="3292498" cy="2695641"/>
           </a:xfrm>
           <a:prstGeom prst="rect">
             <a:avLst/>
@@ -14526,848 +11643,6 @@
     <p:extLst>
       <p:ext uri="{BB962C8B-B14F-4D97-AF65-F5344CB8AC3E}">
         <p14:creationId xmlns:p14="http://schemas.microsoft.com/office/powerpoint/2010/main" val="1284025863"/>
-      </p:ext>
-    </p:extLst>
-  </p:cSld>
-  <p:clrMapOvr>
-    <a:masterClrMapping/>
-  </p:clrMapOvr>
-  <mc:AlternateContent xmlns:mc="http://schemas.openxmlformats.org/markup-compatibility/2006" xmlns:p14="http://schemas.microsoft.com/office/powerpoint/2010/main">
-    <mc:Choice Requires="p14">
-      <p:transition spd="med" p14:dur="700">
-        <p:fade/>
-      </p:transition>
-    </mc:Choice>
-    <mc:Fallback xmlns="">
-      <p:transition spd="med">
-        <p:fade/>
-      </p:transition>
-    </mc:Fallback>
-  </mc:AlternateContent>
-</p:sld>
-</file>
-
-<file path=ppt/slides/slide7.xml><?xml version="1.0" encoding="utf-8"?>
-<p:sld xmlns:a="http://schemas.openxmlformats.org/drawingml/2006/main" xmlns:r="http://schemas.openxmlformats.org/officeDocument/2006/relationships" xmlns:p="http://schemas.openxmlformats.org/presentationml/2006/main">
-  <p:cSld>
-    <p:spTree>
-      <p:nvGrpSpPr>
-        <p:cNvPr id="1" name=""/>
-        <p:cNvGrpSpPr/>
-        <p:nvPr/>
-      </p:nvGrpSpPr>
-      <p:grpSpPr>
-        <a:xfrm>
-          <a:off x="0" y="0"/>
-          <a:ext cx="0" cy="0"/>
-          <a:chOff x="0" y="0"/>
-          <a:chExt cx="0" cy="0"/>
-        </a:xfrm>
-      </p:grpSpPr>
-      <p:sp>
-        <p:nvSpPr>
-          <p:cNvPr id="8" name="Rubrik 7">
-            <a:extLst>
-              <a:ext uri="{FF2B5EF4-FFF2-40B4-BE49-F238E27FC236}">
-                <a16:creationId xmlns:a16="http://schemas.microsoft.com/office/drawing/2014/main" id="{D137FBB1-2CF8-DC42-AF7B-28C21A52B951}"/>
-              </a:ext>
-            </a:extLst>
-          </p:cNvPr>
-          <p:cNvSpPr>
-            <a:spLocks noGrp="1"/>
-          </p:cNvSpPr>
-          <p:nvPr>
-            <p:ph type="title"/>
-          </p:nvPr>
-        </p:nvSpPr>
-        <p:spPr/>
-        <p:txBody>
-          <a:bodyPr/>
-          <a:lstStyle/>
-          <a:p>
-            <a:r>
-              <a:rPr lang="en-US" altLang="zh-CN" dirty="0"/>
-              <a:t>Lab 1 Decision Tree</a:t>
-            </a:r>
-            <a:endParaRPr lang="en-GB" dirty="0"/>
-          </a:p>
-        </p:txBody>
-      </p:sp>
-      <p:sp>
-        <p:nvSpPr>
-          <p:cNvPr id="3" name="Platshållare för datum 2">
-            <a:extLst>
-              <a:ext uri="{FF2B5EF4-FFF2-40B4-BE49-F238E27FC236}">
-                <a16:creationId xmlns:a16="http://schemas.microsoft.com/office/drawing/2014/main" id="{C9D9A0CA-3DFF-E14B-955C-91D3537F0167}"/>
-              </a:ext>
-            </a:extLst>
-          </p:cNvPr>
-          <p:cNvSpPr>
-            <a:spLocks noGrp="1"/>
-          </p:cNvSpPr>
-          <p:nvPr>
-            <p:ph type="dt" sz="half" idx="11"/>
-          </p:nvPr>
-        </p:nvSpPr>
-        <p:spPr/>
-        <p:txBody>
-          <a:bodyPr/>
-          <a:lstStyle/>
-          <a:p>
-            <a:r>
-              <a:rPr lang="en-GB" dirty="0"/>
-              <a:t>2019-09-13</a:t>
-            </a:r>
-          </a:p>
-        </p:txBody>
-      </p:sp>
-      <p:sp>
-        <p:nvSpPr>
-          <p:cNvPr id="4" name="Platshållare för bildnummer 3">
-            <a:extLst>
-              <a:ext uri="{FF2B5EF4-FFF2-40B4-BE49-F238E27FC236}">
-                <a16:creationId xmlns:a16="http://schemas.microsoft.com/office/drawing/2014/main" id="{8AFF2BC0-9FEF-9C45-9CE0-40DC8A6BD12D}"/>
-              </a:ext>
-            </a:extLst>
-          </p:cNvPr>
-          <p:cNvSpPr>
-            <a:spLocks noGrp="1"/>
-          </p:cNvSpPr>
-          <p:nvPr>
-            <p:ph type="sldNum" sz="quarter" idx="12"/>
-          </p:nvPr>
-        </p:nvSpPr>
-        <p:spPr/>
-        <p:txBody>
-          <a:bodyPr/>
-          <a:lstStyle/>
-          <a:p>
-            <a:fld id="{C338348D-F2D3-AB47-AE2A-1D59B1E58D64}" type="slidenum">
-              <a:rPr lang="en-GB" smtClean="0"/>
-              <a:pPr/>
-              <a:t>7</a:t>
-            </a:fld>
-            <a:endParaRPr lang="en-GB" dirty="0"/>
-          </a:p>
-        </p:txBody>
-      </p:sp>
-      <p:pic>
-        <p:nvPicPr>
-          <p:cNvPr id="6" name="图片 5"/>
-          <p:cNvPicPr>
-            <a:picLocks noChangeAspect="1"/>
-          </p:cNvPicPr>
-          <p:nvPr/>
-        </p:nvPicPr>
-        <p:blipFill>
-          <a:blip r:embed="rId3"/>
-          <a:stretch>
-            <a:fillRect/>
-          </a:stretch>
-        </p:blipFill>
-        <p:spPr>
-          <a:xfrm>
-            <a:off x="1060463" y="925626"/>
-            <a:ext cx="7200000" cy="1279106"/>
-          </a:xfrm>
-          <a:prstGeom prst="rect">
-            <a:avLst/>
-          </a:prstGeom>
-        </p:spPr>
-      </p:pic>
-      <p:pic>
-        <p:nvPicPr>
-          <p:cNvPr id="7" name="图片 6"/>
-          <p:cNvPicPr>
-            <a:picLocks noChangeAspect="1"/>
-          </p:cNvPicPr>
-          <p:nvPr/>
-        </p:nvPicPr>
-        <p:blipFill>
-          <a:blip r:embed="rId4"/>
-          <a:stretch>
-            <a:fillRect/>
-          </a:stretch>
-        </p:blipFill>
-        <p:spPr>
-          <a:xfrm>
-            <a:off x="1060463" y="2204732"/>
-            <a:ext cx="7200000" cy="974497"/>
-          </a:xfrm>
-          <a:prstGeom prst="rect">
-            <a:avLst/>
-          </a:prstGeom>
-        </p:spPr>
-      </p:pic>
-      <p:graphicFrame>
-        <p:nvGraphicFramePr>
-          <p:cNvPr id="9" name="表格 8"/>
-          <p:cNvGraphicFramePr>
-            <a:graphicFrameLocks noGrp="1"/>
-          </p:cNvGraphicFramePr>
-          <p:nvPr>
-            <p:extLst>
-              <p:ext uri="{D42A27DB-BD31-4B8C-83A1-F6EECF244321}">
-                <p14:modId xmlns:p14="http://schemas.microsoft.com/office/powerpoint/2010/main" val="1206529897"/>
-              </p:ext>
-            </p:extLst>
-          </p:nvPr>
-        </p:nvGraphicFramePr>
-        <p:xfrm>
-          <a:off x="1612463" y="3322694"/>
-          <a:ext cx="6096000" cy="1483360"/>
-        </p:xfrm>
-        <a:graphic>
-          <a:graphicData uri="http://schemas.openxmlformats.org/drawingml/2006/table">
-            <a:tbl>
-              <a:tblPr firstRow="1" bandRow="1">
-                <a:tableStyleId>{5C22544A-7EE6-4342-B048-85BDC9FD1C3A}</a:tableStyleId>
-              </a:tblPr>
-              <a:tblGrid>
-                <a:gridCol w="2032000">
-                  <a:extLst>
-                    <a:ext uri="{9D8B030D-6E8A-4147-A177-3AD203B41FA5}">
-                      <a16:colId xmlns:a16="http://schemas.microsoft.com/office/drawing/2014/main" val="20000"/>
-                    </a:ext>
-                  </a:extLst>
-                </a:gridCol>
-                <a:gridCol w="1360245">
-                  <a:extLst>
-                    <a:ext uri="{9D8B030D-6E8A-4147-A177-3AD203B41FA5}">
-                      <a16:colId xmlns:a16="http://schemas.microsoft.com/office/drawing/2014/main" val="20001"/>
-                    </a:ext>
-                  </a:extLst>
-                </a:gridCol>
-                <a:gridCol w="2703755">
-                  <a:extLst>
-                    <a:ext uri="{9D8B030D-6E8A-4147-A177-3AD203B41FA5}">
-                      <a16:colId xmlns:a16="http://schemas.microsoft.com/office/drawing/2014/main" val="20002"/>
-                    </a:ext>
-                  </a:extLst>
-                </a:gridCol>
-              </a:tblGrid>
-              <a:tr h="370840">
-                <a:tc>
-                  <a:txBody>
-                    <a:bodyPr/>
-                    <a:lstStyle/>
-                    <a:p>
-                      <a:r>
-                        <a:rPr lang="en-US" altLang="zh-CN" dirty="0"/>
-                        <a:t>Dataset</a:t>
-                      </a:r>
-                      <a:endParaRPr lang="zh-CN" altLang="en-US" dirty="0"/>
-                    </a:p>
-                  </a:txBody>
-                  <a:tcPr/>
-                </a:tc>
-                <a:tc>
-                  <a:txBody>
-                    <a:bodyPr/>
-                    <a:lstStyle/>
-                    <a:p>
-                      <a:r>
-                        <a:rPr lang="en-US" altLang="zh-CN" dirty="0" err="1"/>
-                        <a:t>E_train</a:t>
-                      </a:r>
-                      <a:endParaRPr lang="zh-CN" altLang="en-US" dirty="0"/>
-                    </a:p>
-                  </a:txBody>
-                  <a:tcPr/>
-                </a:tc>
-                <a:tc>
-                  <a:txBody>
-                    <a:bodyPr/>
-                    <a:lstStyle/>
-                    <a:p>
-                      <a:r>
-                        <a:rPr lang="en-US" altLang="zh-CN" dirty="0" err="1"/>
-                        <a:t>E_test</a:t>
-                      </a:r>
-                      <a:endParaRPr lang="zh-CN" altLang="en-US" dirty="0"/>
-                    </a:p>
-                  </a:txBody>
-                  <a:tcPr/>
-                </a:tc>
-                <a:extLst>
-                  <a:ext uri="{0D108BD9-81ED-4DB2-BD59-A6C34878D82A}">
-                    <a16:rowId xmlns:a16="http://schemas.microsoft.com/office/drawing/2014/main" val="10000"/>
-                  </a:ext>
-                </a:extLst>
-              </a:tr>
-              <a:tr h="370840">
-                <a:tc>
-                  <a:txBody>
-                    <a:bodyPr/>
-                    <a:lstStyle/>
-                    <a:p>
-                      <a:r>
-                        <a:rPr lang="en-US" altLang="zh-CN" dirty="0"/>
-                        <a:t>MONK-1</a:t>
-                      </a:r>
-                      <a:endParaRPr lang="zh-CN" altLang="en-US" dirty="0"/>
-                    </a:p>
-                  </a:txBody>
-                  <a:tcPr/>
-                </a:tc>
-                <a:tc>
-                  <a:txBody>
-                    <a:bodyPr/>
-                    <a:lstStyle/>
-                    <a:p>
-                      <a:r>
-                        <a:rPr lang="en-US" altLang="zh-CN" dirty="0"/>
-                        <a:t>0</a:t>
-                      </a:r>
-                      <a:endParaRPr lang="zh-CN" altLang="en-US" dirty="0"/>
-                    </a:p>
-                  </a:txBody>
-                  <a:tcPr/>
-                </a:tc>
-                <a:tc>
-                  <a:txBody>
-                    <a:bodyPr/>
-                    <a:lstStyle/>
-                    <a:p>
-                      <a:r>
-                        <a:rPr lang="is-IS" altLang="zh-CN" dirty="0"/>
-                        <a:t>0.1712962962962963</a:t>
-                      </a:r>
-                      <a:endParaRPr lang="zh-CN" altLang="en-US" dirty="0"/>
-                    </a:p>
-                  </a:txBody>
-                  <a:tcPr/>
-                </a:tc>
-                <a:extLst>
-                  <a:ext uri="{0D108BD9-81ED-4DB2-BD59-A6C34878D82A}">
-                    <a16:rowId xmlns:a16="http://schemas.microsoft.com/office/drawing/2014/main" val="10001"/>
-                  </a:ext>
-                </a:extLst>
-              </a:tr>
-              <a:tr h="370840">
-                <a:tc>
-                  <a:txBody>
-                    <a:bodyPr/>
-                    <a:lstStyle/>
-                    <a:p>
-                      <a:r>
-                        <a:rPr lang="en-US" altLang="zh-CN" dirty="0"/>
-                        <a:t>MONK-2</a:t>
-                      </a:r>
-                      <a:endParaRPr lang="zh-CN" altLang="en-US" dirty="0"/>
-                    </a:p>
-                  </a:txBody>
-                  <a:tcPr/>
-                </a:tc>
-                <a:tc>
-                  <a:txBody>
-                    <a:bodyPr/>
-                    <a:lstStyle/>
-                    <a:p>
-                      <a:r>
-                        <a:rPr lang="en-US" altLang="zh-CN" dirty="0"/>
-                        <a:t>0</a:t>
-                      </a:r>
-                      <a:endParaRPr lang="zh-CN" altLang="en-US" dirty="0"/>
-                    </a:p>
-                  </a:txBody>
-                  <a:tcPr/>
-                </a:tc>
-                <a:tc>
-                  <a:txBody>
-                    <a:bodyPr/>
-                    <a:lstStyle/>
-                    <a:p>
-                      <a:r>
-                        <a:rPr lang="fi-FI" altLang="zh-CN" dirty="0"/>
-                        <a:t>0.3078703703703703</a:t>
-                      </a:r>
-                      <a:endParaRPr lang="zh-CN" altLang="en-US" dirty="0"/>
-                    </a:p>
-                  </a:txBody>
-                  <a:tcPr/>
-                </a:tc>
-                <a:extLst>
-                  <a:ext uri="{0D108BD9-81ED-4DB2-BD59-A6C34878D82A}">
-                    <a16:rowId xmlns:a16="http://schemas.microsoft.com/office/drawing/2014/main" val="10002"/>
-                  </a:ext>
-                </a:extLst>
-              </a:tr>
-              <a:tr h="370840">
-                <a:tc>
-                  <a:txBody>
-                    <a:bodyPr/>
-                    <a:lstStyle/>
-                    <a:p>
-                      <a:r>
-                        <a:rPr lang="en-US" altLang="zh-CN" dirty="0"/>
-                        <a:t>MONK-3</a:t>
-                      </a:r>
-                      <a:endParaRPr lang="zh-CN" altLang="en-US" dirty="0"/>
-                    </a:p>
-                  </a:txBody>
-                  <a:tcPr/>
-                </a:tc>
-                <a:tc>
-                  <a:txBody>
-                    <a:bodyPr/>
-                    <a:lstStyle/>
-                    <a:p>
-                      <a:r>
-                        <a:rPr lang="en-US" altLang="zh-CN" dirty="0"/>
-                        <a:t>0</a:t>
-                      </a:r>
-                      <a:endParaRPr lang="zh-CN" altLang="en-US" dirty="0"/>
-                    </a:p>
-                  </a:txBody>
-                  <a:tcPr/>
-                </a:tc>
-                <a:tc>
-                  <a:txBody>
-                    <a:bodyPr/>
-                    <a:lstStyle/>
-                    <a:p>
-                      <a:r>
-                        <a:rPr lang="pt-BR" altLang="zh-CN" dirty="0"/>
-                        <a:t>0.0555555555555556</a:t>
-                      </a:r>
-                      <a:endParaRPr lang="zh-CN" altLang="en-US" dirty="0"/>
-                    </a:p>
-                  </a:txBody>
-                  <a:tcPr/>
-                </a:tc>
-                <a:extLst>
-                  <a:ext uri="{0D108BD9-81ED-4DB2-BD59-A6C34878D82A}">
-                    <a16:rowId xmlns:a16="http://schemas.microsoft.com/office/drawing/2014/main" val="10003"/>
-                  </a:ext>
-                </a:extLst>
-              </a:tr>
-            </a:tbl>
-          </a:graphicData>
-        </a:graphic>
-      </p:graphicFrame>
-    </p:spTree>
-    <p:extLst>
-      <p:ext uri="{BB962C8B-B14F-4D97-AF65-F5344CB8AC3E}">
-        <p14:creationId xmlns:p14="http://schemas.microsoft.com/office/powerpoint/2010/main" val="1628523772"/>
-      </p:ext>
-    </p:extLst>
-  </p:cSld>
-  <p:clrMapOvr>
-    <a:masterClrMapping/>
-  </p:clrMapOvr>
-  <mc:AlternateContent xmlns:mc="http://schemas.openxmlformats.org/markup-compatibility/2006" xmlns:p14="http://schemas.microsoft.com/office/powerpoint/2010/main">
-    <mc:Choice Requires="p14">
-      <p:transition spd="med" p14:dur="700">
-        <p:fade/>
-      </p:transition>
-    </mc:Choice>
-    <mc:Fallback xmlns="">
-      <p:transition spd="med">
-        <p:fade/>
-      </p:transition>
-    </mc:Fallback>
-  </mc:AlternateContent>
-</p:sld>
-</file>
-
-<file path=ppt/slides/slide8.xml><?xml version="1.0" encoding="utf-8"?>
-<p:sld xmlns:a="http://schemas.openxmlformats.org/drawingml/2006/main" xmlns:r="http://schemas.openxmlformats.org/officeDocument/2006/relationships" xmlns:p="http://schemas.openxmlformats.org/presentationml/2006/main">
-  <p:cSld>
-    <p:spTree>
-      <p:nvGrpSpPr>
-        <p:cNvPr id="1" name=""/>
-        <p:cNvGrpSpPr/>
-        <p:nvPr/>
-      </p:nvGrpSpPr>
-      <p:grpSpPr>
-        <a:xfrm>
-          <a:off x="0" y="0"/>
-          <a:ext cx="0" cy="0"/>
-          <a:chOff x="0" y="0"/>
-          <a:chExt cx="0" cy="0"/>
-        </a:xfrm>
-      </p:grpSpPr>
-      <p:sp>
-        <p:nvSpPr>
-          <p:cNvPr id="8" name="Rubrik 7">
-            <a:extLst>
-              <a:ext uri="{FF2B5EF4-FFF2-40B4-BE49-F238E27FC236}">
-                <a16:creationId xmlns:a16="http://schemas.microsoft.com/office/drawing/2014/main" id="{D137FBB1-2CF8-DC42-AF7B-28C21A52B951}"/>
-              </a:ext>
-            </a:extLst>
-          </p:cNvPr>
-          <p:cNvSpPr>
-            <a:spLocks noGrp="1"/>
-          </p:cNvSpPr>
-          <p:nvPr>
-            <p:ph type="title"/>
-          </p:nvPr>
-        </p:nvSpPr>
-        <p:spPr/>
-        <p:txBody>
-          <a:bodyPr/>
-          <a:lstStyle/>
-          <a:p>
-            <a:r>
-              <a:rPr lang="en-US" altLang="zh-CN" dirty="0"/>
-              <a:t>Lab 1 Decision Tree</a:t>
-            </a:r>
-            <a:endParaRPr lang="en-GB" dirty="0"/>
-          </a:p>
-        </p:txBody>
-      </p:sp>
-      <p:sp>
-        <p:nvSpPr>
-          <p:cNvPr id="3" name="Platshållare för datum 2">
-            <a:extLst>
-              <a:ext uri="{FF2B5EF4-FFF2-40B4-BE49-F238E27FC236}">
-                <a16:creationId xmlns:a16="http://schemas.microsoft.com/office/drawing/2014/main" id="{C9D9A0CA-3DFF-E14B-955C-91D3537F0167}"/>
-              </a:ext>
-            </a:extLst>
-          </p:cNvPr>
-          <p:cNvSpPr>
-            <a:spLocks noGrp="1"/>
-          </p:cNvSpPr>
-          <p:nvPr>
-            <p:ph type="dt" sz="half" idx="11"/>
-          </p:nvPr>
-        </p:nvSpPr>
-        <p:spPr/>
-        <p:txBody>
-          <a:bodyPr/>
-          <a:lstStyle/>
-          <a:p>
-            <a:r>
-              <a:rPr lang="en-GB" dirty="0"/>
-              <a:t>2019-09-13</a:t>
-            </a:r>
-          </a:p>
-        </p:txBody>
-      </p:sp>
-      <p:sp>
-        <p:nvSpPr>
-          <p:cNvPr id="4" name="Platshållare för bildnummer 3">
-            <a:extLst>
-              <a:ext uri="{FF2B5EF4-FFF2-40B4-BE49-F238E27FC236}">
-                <a16:creationId xmlns:a16="http://schemas.microsoft.com/office/drawing/2014/main" id="{8AFF2BC0-9FEF-9C45-9CE0-40DC8A6BD12D}"/>
-              </a:ext>
-            </a:extLst>
-          </p:cNvPr>
-          <p:cNvSpPr>
-            <a:spLocks noGrp="1"/>
-          </p:cNvSpPr>
-          <p:nvPr>
-            <p:ph type="sldNum" sz="quarter" idx="12"/>
-          </p:nvPr>
-        </p:nvSpPr>
-        <p:spPr/>
-        <p:txBody>
-          <a:bodyPr/>
-          <a:lstStyle/>
-          <a:p>
-            <a:fld id="{C338348D-F2D3-AB47-AE2A-1D59B1E58D64}" type="slidenum">
-              <a:rPr lang="en-GB" smtClean="0"/>
-              <a:pPr/>
-              <a:t>8</a:t>
-            </a:fld>
-            <a:endParaRPr lang="en-GB" dirty="0"/>
-          </a:p>
-        </p:txBody>
-      </p:sp>
-      <p:sp>
-        <p:nvSpPr>
-          <p:cNvPr id="2" name="文本框 1"/>
-          <p:cNvSpPr txBox="1"/>
-          <p:nvPr/>
-        </p:nvSpPr>
-        <p:spPr>
-          <a:xfrm>
-            <a:off x="1957892" y="1301675"/>
-            <a:ext cx="184731" cy="369332"/>
-          </a:xfrm>
-          <a:prstGeom prst="rect">
-            <a:avLst/>
-          </a:prstGeom>
-          <a:noFill/>
-        </p:spPr>
-        <p:txBody>
-          <a:bodyPr wrap="none" rtlCol="0">
-            <a:spAutoFit/>
-          </a:bodyPr>
-          <a:lstStyle/>
-          <a:p>
-            <a:endParaRPr kumimoji="1" lang="zh-CN" altLang="en-US" dirty="0"/>
-          </a:p>
-        </p:txBody>
-      </p:sp>
-      <p:pic>
-        <p:nvPicPr>
-          <p:cNvPr id="5" name="图片 4"/>
-          <p:cNvPicPr>
-            <a:picLocks noChangeAspect="1"/>
-          </p:cNvPicPr>
-          <p:nvPr/>
-        </p:nvPicPr>
-        <p:blipFill>
-          <a:blip r:embed="rId3"/>
-          <a:stretch>
-            <a:fillRect/>
-          </a:stretch>
-        </p:blipFill>
-        <p:spPr>
-          <a:xfrm>
-            <a:off x="1979857" y="1242955"/>
-            <a:ext cx="5390924" cy="3240000"/>
-          </a:xfrm>
-          <a:prstGeom prst="rect">
-            <a:avLst/>
-          </a:prstGeom>
-        </p:spPr>
-      </p:pic>
-      <p:sp>
-        <p:nvSpPr>
-          <p:cNvPr id="6" name="文本框 5"/>
-          <p:cNvSpPr txBox="1"/>
-          <p:nvPr/>
-        </p:nvSpPr>
-        <p:spPr>
-          <a:xfrm>
-            <a:off x="3583176" y="873623"/>
-            <a:ext cx="1817613" cy="369332"/>
-          </a:xfrm>
-          <a:prstGeom prst="rect">
-            <a:avLst/>
-          </a:prstGeom>
-          <a:noFill/>
-        </p:spPr>
-        <p:txBody>
-          <a:bodyPr wrap="none" rtlCol="0">
-            <a:spAutoFit/>
-          </a:bodyPr>
-          <a:lstStyle/>
-          <a:p>
-            <a:r>
-              <a:rPr kumimoji="1" lang="en-US" altLang="zh-CN"/>
-              <a:t>Tree for Monk-1</a:t>
-            </a:r>
-            <a:endParaRPr kumimoji="1" lang="zh-CN" altLang="en-US" dirty="0"/>
-          </a:p>
-        </p:txBody>
-      </p:sp>
-    </p:spTree>
-    <p:extLst>
-      <p:ext uri="{BB962C8B-B14F-4D97-AF65-F5344CB8AC3E}">
-        <p14:creationId xmlns:p14="http://schemas.microsoft.com/office/powerpoint/2010/main" val="668655699"/>
-      </p:ext>
-    </p:extLst>
-  </p:cSld>
-  <p:clrMapOvr>
-    <a:masterClrMapping/>
-  </p:clrMapOvr>
-  <mc:AlternateContent xmlns:mc="http://schemas.openxmlformats.org/markup-compatibility/2006" xmlns:p14="http://schemas.microsoft.com/office/powerpoint/2010/main">
-    <mc:Choice Requires="p14">
-      <p:transition spd="med" p14:dur="700">
-        <p:fade/>
-      </p:transition>
-    </mc:Choice>
-    <mc:Fallback xmlns="">
-      <p:transition spd="med">
-        <p:fade/>
-      </p:transition>
-    </mc:Fallback>
-  </mc:AlternateContent>
-</p:sld>
-</file>
-
-<file path=ppt/slides/slide9.xml><?xml version="1.0" encoding="utf-8"?>
-<p:sld xmlns:a="http://schemas.openxmlformats.org/drawingml/2006/main" xmlns:r="http://schemas.openxmlformats.org/officeDocument/2006/relationships" xmlns:p="http://schemas.openxmlformats.org/presentationml/2006/main">
-  <p:cSld>
-    <p:spTree>
-      <p:nvGrpSpPr>
-        <p:cNvPr id="1" name=""/>
-        <p:cNvGrpSpPr/>
-        <p:nvPr/>
-      </p:nvGrpSpPr>
-      <p:grpSpPr>
-        <a:xfrm>
-          <a:off x="0" y="0"/>
-          <a:ext cx="0" cy="0"/>
-          <a:chOff x="0" y="0"/>
-          <a:chExt cx="0" cy="0"/>
-        </a:xfrm>
-      </p:grpSpPr>
-      <p:sp>
-        <p:nvSpPr>
-          <p:cNvPr id="8" name="Rubrik 7">
-            <a:extLst>
-              <a:ext uri="{FF2B5EF4-FFF2-40B4-BE49-F238E27FC236}">
-                <a16:creationId xmlns:a16="http://schemas.microsoft.com/office/drawing/2014/main" id="{D137FBB1-2CF8-DC42-AF7B-28C21A52B951}"/>
-              </a:ext>
-            </a:extLst>
-          </p:cNvPr>
-          <p:cNvSpPr>
-            <a:spLocks noGrp="1"/>
-          </p:cNvSpPr>
-          <p:nvPr>
-            <p:ph type="title"/>
-          </p:nvPr>
-        </p:nvSpPr>
-        <p:spPr/>
-        <p:txBody>
-          <a:bodyPr/>
-          <a:lstStyle/>
-          <a:p>
-            <a:r>
-              <a:rPr lang="en-US" altLang="zh-CN" dirty="0"/>
-              <a:t>Lab 1 Decision Tree</a:t>
-            </a:r>
-            <a:endParaRPr lang="en-GB" dirty="0"/>
-          </a:p>
-        </p:txBody>
-      </p:sp>
-      <p:sp>
-        <p:nvSpPr>
-          <p:cNvPr id="3" name="Platshållare för datum 2">
-            <a:extLst>
-              <a:ext uri="{FF2B5EF4-FFF2-40B4-BE49-F238E27FC236}">
-                <a16:creationId xmlns:a16="http://schemas.microsoft.com/office/drawing/2014/main" id="{C9D9A0CA-3DFF-E14B-955C-91D3537F0167}"/>
-              </a:ext>
-            </a:extLst>
-          </p:cNvPr>
-          <p:cNvSpPr>
-            <a:spLocks noGrp="1"/>
-          </p:cNvSpPr>
-          <p:nvPr>
-            <p:ph type="dt" sz="half" idx="11"/>
-          </p:nvPr>
-        </p:nvSpPr>
-        <p:spPr/>
-        <p:txBody>
-          <a:bodyPr/>
-          <a:lstStyle/>
-          <a:p>
-            <a:r>
-              <a:rPr lang="en-GB" dirty="0"/>
-              <a:t>2019-09-13</a:t>
-            </a:r>
-          </a:p>
-        </p:txBody>
-      </p:sp>
-      <p:sp>
-        <p:nvSpPr>
-          <p:cNvPr id="4" name="Platshållare för bildnummer 3">
-            <a:extLst>
-              <a:ext uri="{FF2B5EF4-FFF2-40B4-BE49-F238E27FC236}">
-                <a16:creationId xmlns:a16="http://schemas.microsoft.com/office/drawing/2014/main" id="{8AFF2BC0-9FEF-9C45-9CE0-40DC8A6BD12D}"/>
-              </a:ext>
-            </a:extLst>
-          </p:cNvPr>
-          <p:cNvSpPr>
-            <a:spLocks noGrp="1"/>
-          </p:cNvSpPr>
-          <p:nvPr>
-            <p:ph type="sldNum" sz="quarter" idx="12"/>
-          </p:nvPr>
-        </p:nvSpPr>
-        <p:spPr/>
-        <p:txBody>
-          <a:bodyPr/>
-          <a:lstStyle/>
-          <a:p>
-            <a:fld id="{C338348D-F2D3-AB47-AE2A-1D59B1E58D64}" type="slidenum">
-              <a:rPr lang="en-GB" smtClean="0"/>
-              <a:pPr/>
-              <a:t>9</a:t>
-            </a:fld>
-            <a:endParaRPr lang="en-GB" dirty="0"/>
-          </a:p>
-        </p:txBody>
-      </p:sp>
-      <p:sp>
-        <p:nvSpPr>
-          <p:cNvPr id="2" name="文本框 1"/>
-          <p:cNvSpPr txBox="1"/>
-          <p:nvPr/>
-        </p:nvSpPr>
-        <p:spPr>
-          <a:xfrm>
-            <a:off x="1957892" y="1301675"/>
-            <a:ext cx="184731" cy="369332"/>
-          </a:xfrm>
-          <a:prstGeom prst="rect">
-            <a:avLst/>
-          </a:prstGeom>
-          <a:noFill/>
-        </p:spPr>
-        <p:txBody>
-          <a:bodyPr wrap="none" rtlCol="0">
-            <a:spAutoFit/>
-          </a:bodyPr>
-          <a:lstStyle/>
-          <a:p>
-            <a:endParaRPr kumimoji="1" lang="zh-CN" altLang="en-US" dirty="0"/>
-          </a:p>
-        </p:txBody>
-      </p:sp>
-      <p:sp>
-        <p:nvSpPr>
-          <p:cNvPr id="6" name="文本框 5"/>
-          <p:cNvSpPr txBox="1"/>
-          <p:nvPr/>
-        </p:nvSpPr>
-        <p:spPr>
-          <a:xfrm>
-            <a:off x="3583176" y="873623"/>
-            <a:ext cx="1817613" cy="369332"/>
-          </a:xfrm>
-          <a:prstGeom prst="rect">
-            <a:avLst/>
-          </a:prstGeom>
-          <a:noFill/>
-        </p:spPr>
-        <p:txBody>
-          <a:bodyPr wrap="none" rtlCol="0">
-            <a:spAutoFit/>
-          </a:bodyPr>
-          <a:lstStyle/>
-          <a:p>
-            <a:r>
-              <a:rPr kumimoji="1" lang="en-US" altLang="zh-CN" dirty="0"/>
-              <a:t>Tree for Monk-2</a:t>
-            </a:r>
-            <a:endParaRPr kumimoji="1" lang="zh-CN" altLang="en-US" dirty="0"/>
-          </a:p>
-        </p:txBody>
-      </p:sp>
-      <p:pic>
-        <p:nvPicPr>
-          <p:cNvPr id="7" name="图片 6"/>
-          <p:cNvPicPr>
-            <a:picLocks noChangeAspect="1"/>
-          </p:cNvPicPr>
-          <p:nvPr/>
-        </p:nvPicPr>
-        <p:blipFill>
-          <a:blip r:embed="rId3"/>
-          <a:stretch>
-            <a:fillRect/>
-          </a:stretch>
-        </p:blipFill>
-        <p:spPr>
-          <a:xfrm>
-            <a:off x="1023476" y="1317573"/>
-            <a:ext cx="7168501" cy="3240000"/>
-          </a:xfrm>
-          <a:prstGeom prst="rect">
-            <a:avLst/>
-          </a:prstGeom>
-        </p:spPr>
-      </p:pic>
-    </p:spTree>
-    <p:extLst>
-      <p:ext uri="{BB962C8B-B14F-4D97-AF65-F5344CB8AC3E}">
-        <p14:creationId xmlns:p14="http://schemas.microsoft.com/office/powerpoint/2010/main" val="942269713"/>
       </p:ext>
     </p:extLst>
   </p:cSld>

--- a/Lab2/Lab2_pre.pptx
+++ b/Lab2/Lab2_pre.pptx
@@ -5,23 +5,24 @@
     <p:sldMasterId id="2147483648" r:id="rId1"/>
   </p:sldMasterIdLst>
   <p:notesMasterIdLst>
-    <p:notesMasterId r:id="rId8"/>
+    <p:notesMasterId r:id="rId9"/>
   </p:notesMasterIdLst>
   <p:handoutMasterIdLst>
-    <p:handoutMasterId r:id="rId9"/>
+    <p:handoutMasterId r:id="rId10"/>
   </p:handoutMasterIdLst>
   <p:sldIdLst>
     <p:sldId id="269" r:id="rId2"/>
     <p:sldId id="276" r:id="rId3"/>
     <p:sldId id="277" r:id="rId4"/>
     <p:sldId id="278" r:id="rId5"/>
-    <p:sldId id="279" r:id="rId6"/>
-    <p:sldId id="280" r:id="rId7"/>
+    <p:sldId id="281" r:id="rId6"/>
+    <p:sldId id="279" r:id="rId7"/>
+    <p:sldId id="280" r:id="rId8"/>
   </p:sldIdLst>
   <p:sldSz cx="9144000" cy="5143500" type="screen16x9"/>
   <p:notesSz cx="6858000" cy="9144000"/>
   <p:custDataLst>
-    <p:tags r:id="rId10"/>
+    <p:tags r:id="rId11"/>
   </p:custDataLst>
   <p:defaultTextStyle>
     <a:defPPr>
@@ -1308,6 +1309,115 @@
               <a:buNone/>
             </a:pPr>
             <a:r>
+              <a:rPr lang="sv-SE" baseline="0" dirty="0" err="1"/>
+              <a:t>Assignment</a:t>
+            </a:r>
+            <a:r>
+              <a:rPr lang="sv-SE" baseline="0" dirty="0"/>
+              <a:t> 2 :</a:t>
+            </a:r>
+            <a:r>
+              <a:rPr lang="sv-SE" baseline="0" dirty="0" err="1"/>
+              <a:t>Bernoulli</a:t>
+            </a:r>
+            <a:r>
+              <a:rPr lang="sv-SE" baseline="0" dirty="0"/>
+              <a:t> distribution q &amp; 1-q</a:t>
+            </a:r>
+          </a:p>
+        </p:txBody>
+      </p:sp>
+      <p:sp>
+        <p:nvSpPr>
+          <p:cNvPr id="4" name="Slide Number Placeholder 3"/>
+          <p:cNvSpPr>
+            <a:spLocks noGrp="1"/>
+          </p:cNvSpPr>
+          <p:nvPr>
+            <p:ph type="sldNum" sz="quarter" idx="10"/>
+          </p:nvPr>
+        </p:nvSpPr>
+        <p:spPr/>
+        <p:txBody>
+          <a:bodyPr/>
+          <a:lstStyle/>
+          <a:p>
+            <a:pPr>
+              <a:defRPr/>
+            </a:pPr>
+            <a:fld id="{EE811775-299A-4959-BF5A-5DFB3E75F6AC}" type="slidenum">
+              <a:rPr lang="sv-SE" smtClean="0"/>
+              <a:pPr>
+                <a:defRPr/>
+              </a:pPr>
+              <a:t>5</a:t>
+            </a:fld>
+            <a:endParaRPr lang="sv-SE" dirty="0"/>
+          </a:p>
+        </p:txBody>
+      </p:sp>
+    </p:spTree>
+    <p:extLst>
+      <p:ext uri="{BB962C8B-B14F-4D97-AF65-F5344CB8AC3E}">
+        <p14:creationId xmlns:p14="http://schemas.microsoft.com/office/powerpoint/2010/main" val="228095822"/>
+      </p:ext>
+    </p:extLst>
+  </p:cSld>
+  <p:clrMapOvr>
+    <a:masterClrMapping/>
+  </p:clrMapOvr>
+</p:notes>
+</file>
+
+<file path=ppt/notesSlides/notesSlide6.xml><?xml version="1.0" encoding="utf-8"?>
+<p:notes xmlns:a="http://schemas.openxmlformats.org/drawingml/2006/main" xmlns:r="http://schemas.openxmlformats.org/officeDocument/2006/relationships" xmlns:p="http://schemas.openxmlformats.org/presentationml/2006/main">
+  <p:cSld>
+    <p:spTree>
+      <p:nvGrpSpPr>
+        <p:cNvPr id="1" name=""/>
+        <p:cNvGrpSpPr/>
+        <p:nvPr/>
+      </p:nvGrpSpPr>
+      <p:grpSpPr>
+        <a:xfrm>
+          <a:off x="0" y="0"/>
+          <a:ext cx="0" cy="0"/>
+          <a:chOff x="0" y="0"/>
+          <a:chExt cx="0" cy="0"/>
+        </a:xfrm>
+      </p:grpSpPr>
+      <p:sp>
+        <p:nvSpPr>
+          <p:cNvPr id="2" name="Slide Image Placeholder 1"/>
+          <p:cNvSpPr>
+            <a:spLocks noGrp="1" noRot="1" noChangeAspect="1"/>
+          </p:cNvSpPr>
+          <p:nvPr>
+            <p:ph type="sldImg"/>
+          </p:nvPr>
+        </p:nvSpPr>
+        <p:spPr/>
+      </p:sp>
+      <p:sp>
+        <p:nvSpPr>
+          <p:cNvPr id="3" name="Notes Placeholder 2"/>
+          <p:cNvSpPr>
+            <a:spLocks noGrp="1"/>
+          </p:cNvSpPr>
+          <p:nvPr>
+            <p:ph type="body" idx="1"/>
+          </p:nvPr>
+        </p:nvSpPr>
+        <p:spPr/>
+        <p:txBody>
+          <a:bodyPr/>
+          <a:lstStyle/>
+          <a:p>
+            <a:pPr marL="0" indent="0">
+              <a:buFontTx/>
+              <a:buNone/>
+            </a:pPr>
+            <a:r>
               <a:rPr lang="pt-BR" baseline="0" dirty="0" err="1"/>
               <a:t>Assignment</a:t>
             </a:r>
@@ -1350,7 +1460,7 @@
               <a:pPr>
                 <a:defRPr/>
               </a:pPr>
-              <a:t>5</a:t>
+              <a:t>6</a:t>
             </a:fld>
             <a:endParaRPr lang="sv-SE" dirty="0"/>
           </a:p>
@@ -1369,7 +1479,7 @@
 </p:notes>
 </file>
 
-<file path=ppt/notesSlides/notesSlide6.xml><?xml version="1.0" encoding="utf-8"?>
+<file path=ppt/notesSlides/notesSlide7.xml><?xml version="1.0" encoding="utf-8"?>
 <p:notes xmlns:a="http://schemas.openxmlformats.org/drawingml/2006/main" xmlns:r="http://schemas.openxmlformats.org/officeDocument/2006/relationships" xmlns:p="http://schemas.openxmlformats.org/presentationml/2006/main">
   <p:cSld>
     <p:spTree>
@@ -1444,7 +1554,7 @@
               <a:pPr>
                 <a:defRPr/>
               </a:pPr>
-              <a:t>6</a:t>
+              <a:t>7</a:t>
             </a:fld>
             <a:endParaRPr lang="sv-SE" dirty="0"/>
           </a:p>
@@ -11320,6 +11430,237 @@
       </p:sp>
       <p:pic>
         <p:nvPicPr>
+          <p:cNvPr id="5" name="Picture 4">
+            <a:extLst>
+              <a:ext uri="{FF2B5EF4-FFF2-40B4-BE49-F238E27FC236}">
+                <a16:creationId xmlns:a16="http://schemas.microsoft.com/office/drawing/2014/main" id="{55A6286D-251D-4859-BEED-CD68B4B34FC1}"/>
+              </a:ext>
+            </a:extLst>
+          </p:cNvPr>
+          <p:cNvPicPr>
+            <a:picLocks noChangeAspect="1"/>
+          </p:cNvPicPr>
+          <p:nvPr/>
+        </p:nvPicPr>
+        <p:blipFill>
+          <a:blip r:embed="rId3"/>
+          <a:stretch>
+            <a:fillRect/>
+          </a:stretch>
+        </p:blipFill>
+        <p:spPr>
+          <a:xfrm>
+            <a:off x="710241" y="1000501"/>
+            <a:ext cx="7723517" cy="1070760"/>
+          </a:xfrm>
+          <a:prstGeom prst="rect">
+            <a:avLst/>
+          </a:prstGeom>
+        </p:spPr>
+      </p:pic>
+      <p:pic>
+        <p:nvPicPr>
+          <p:cNvPr id="9" name="Picture 8">
+            <a:extLst>
+              <a:ext uri="{FF2B5EF4-FFF2-40B4-BE49-F238E27FC236}">
+                <a16:creationId xmlns:a16="http://schemas.microsoft.com/office/drawing/2014/main" id="{26C7357A-0786-4CC6-BCA5-5895A37E5860}"/>
+              </a:ext>
+            </a:extLst>
+          </p:cNvPr>
+          <p:cNvPicPr>
+            <a:picLocks noChangeAspect="1"/>
+          </p:cNvPicPr>
+          <p:nvPr/>
+        </p:nvPicPr>
+        <p:blipFill>
+          <a:blip r:embed="rId4" cstate="screen">
+            <a:extLst>
+              <a:ext uri="{28A0092B-C50C-407E-A947-70E740481C1C}">
+                <a14:useLocalDpi xmlns:a14="http://schemas.microsoft.com/office/drawing/2010/main" val="0"/>
+              </a:ext>
+            </a:extLst>
+          </a:blip>
+          <a:stretch>
+            <a:fillRect/>
+          </a:stretch>
+        </p:blipFill>
+        <p:spPr>
+          <a:xfrm>
+            <a:off x="4754298" y="2071261"/>
+            <a:ext cx="3679460" cy="2759595"/>
+          </a:xfrm>
+          <a:prstGeom prst="rect">
+            <a:avLst/>
+          </a:prstGeom>
+        </p:spPr>
+      </p:pic>
+      <p:pic>
+        <p:nvPicPr>
+          <p:cNvPr id="12" name="Picture 11">
+            <a:extLst>
+              <a:ext uri="{FF2B5EF4-FFF2-40B4-BE49-F238E27FC236}">
+                <a16:creationId xmlns:a16="http://schemas.microsoft.com/office/drawing/2014/main" id="{6F4C0AFD-F5FA-46D3-A5BF-4FA6A6A6BA56}"/>
+              </a:ext>
+            </a:extLst>
+          </p:cNvPr>
+          <p:cNvPicPr>
+            <a:picLocks noChangeAspect="1"/>
+          </p:cNvPicPr>
+          <p:nvPr/>
+        </p:nvPicPr>
+        <p:blipFill>
+          <a:blip r:embed="rId5" cstate="screen">
+            <a:extLst>
+              <a:ext uri="{28A0092B-C50C-407E-A947-70E740481C1C}">
+                <a14:useLocalDpi xmlns:a14="http://schemas.microsoft.com/office/drawing/2010/main" val="0"/>
+              </a:ext>
+            </a:extLst>
+          </a:blip>
+          <a:stretch>
+            <a:fillRect/>
+          </a:stretch>
+        </p:blipFill>
+        <p:spPr>
+          <a:xfrm>
+            <a:off x="720068" y="2042505"/>
+            <a:ext cx="3760649" cy="2820487"/>
+          </a:xfrm>
+          <a:prstGeom prst="rect">
+            <a:avLst/>
+          </a:prstGeom>
+        </p:spPr>
+      </p:pic>
+    </p:spTree>
+    <p:extLst>
+      <p:ext uri="{BB962C8B-B14F-4D97-AF65-F5344CB8AC3E}">
+        <p14:creationId xmlns:p14="http://schemas.microsoft.com/office/powerpoint/2010/main" val="3050876180"/>
+      </p:ext>
+    </p:extLst>
+  </p:cSld>
+  <p:clrMapOvr>
+    <a:masterClrMapping/>
+  </p:clrMapOvr>
+  <mc:AlternateContent xmlns:mc="http://schemas.openxmlformats.org/markup-compatibility/2006" xmlns:p14="http://schemas.microsoft.com/office/powerpoint/2010/main">
+    <mc:Choice Requires="p14">
+      <p:transition spd="med" p14:dur="700">
+        <p:fade/>
+      </p:transition>
+    </mc:Choice>
+    <mc:Fallback xmlns="">
+      <p:transition spd="med">
+        <p:fade/>
+      </p:transition>
+    </mc:Fallback>
+  </mc:AlternateContent>
+</p:sld>
+</file>
+
+<file path=ppt/slides/slide6.xml><?xml version="1.0" encoding="utf-8"?>
+<p:sld xmlns:a="http://schemas.openxmlformats.org/drawingml/2006/main" xmlns:r="http://schemas.openxmlformats.org/officeDocument/2006/relationships" xmlns:p="http://schemas.openxmlformats.org/presentationml/2006/main">
+  <p:cSld>
+    <p:spTree>
+      <p:nvGrpSpPr>
+        <p:cNvPr id="1" name=""/>
+        <p:cNvGrpSpPr/>
+        <p:nvPr/>
+      </p:nvGrpSpPr>
+      <p:grpSpPr>
+        <a:xfrm>
+          <a:off x="0" y="0"/>
+          <a:ext cx="0" cy="0"/>
+          <a:chOff x="0" y="0"/>
+          <a:chExt cx="0" cy="0"/>
+        </a:xfrm>
+      </p:grpSpPr>
+      <p:sp>
+        <p:nvSpPr>
+          <p:cNvPr id="8" name="Rubrik 7">
+            <a:extLst>
+              <a:ext uri="{FF2B5EF4-FFF2-40B4-BE49-F238E27FC236}">
+                <a16:creationId xmlns:a16="http://schemas.microsoft.com/office/drawing/2014/main" id="{D137FBB1-2CF8-DC42-AF7B-28C21A52B951}"/>
+              </a:ext>
+            </a:extLst>
+          </p:cNvPr>
+          <p:cNvSpPr>
+            <a:spLocks noGrp="1"/>
+          </p:cNvSpPr>
+          <p:nvPr>
+            <p:ph type="title"/>
+          </p:nvPr>
+        </p:nvSpPr>
+        <p:spPr/>
+        <p:txBody>
+          <a:bodyPr/>
+          <a:lstStyle/>
+          <a:p>
+            <a:r>
+              <a:rPr lang="en-US" altLang="zh-CN" dirty="0"/>
+              <a:t>Lab 2 Support Vector Machine</a:t>
+            </a:r>
+            <a:endParaRPr lang="en-GB" dirty="0"/>
+          </a:p>
+        </p:txBody>
+      </p:sp>
+      <p:sp>
+        <p:nvSpPr>
+          <p:cNvPr id="3" name="Platshållare för datum 2">
+            <a:extLst>
+              <a:ext uri="{FF2B5EF4-FFF2-40B4-BE49-F238E27FC236}">
+                <a16:creationId xmlns:a16="http://schemas.microsoft.com/office/drawing/2014/main" id="{C9D9A0CA-3DFF-E14B-955C-91D3537F0167}"/>
+              </a:ext>
+            </a:extLst>
+          </p:cNvPr>
+          <p:cNvSpPr>
+            <a:spLocks noGrp="1"/>
+          </p:cNvSpPr>
+          <p:nvPr>
+            <p:ph type="dt" sz="half" idx="11"/>
+          </p:nvPr>
+        </p:nvSpPr>
+        <p:spPr/>
+        <p:txBody>
+          <a:bodyPr/>
+          <a:lstStyle/>
+          <a:p>
+            <a:r>
+              <a:rPr lang="en-GB" dirty="0"/>
+              <a:t>2019-09-13</a:t>
+            </a:r>
+          </a:p>
+        </p:txBody>
+      </p:sp>
+      <p:sp>
+        <p:nvSpPr>
+          <p:cNvPr id="4" name="Platshållare för bildnummer 3">
+            <a:extLst>
+              <a:ext uri="{FF2B5EF4-FFF2-40B4-BE49-F238E27FC236}">
+                <a16:creationId xmlns:a16="http://schemas.microsoft.com/office/drawing/2014/main" id="{8AFF2BC0-9FEF-9C45-9CE0-40DC8A6BD12D}"/>
+              </a:ext>
+            </a:extLst>
+          </p:cNvPr>
+          <p:cNvSpPr>
+            <a:spLocks noGrp="1"/>
+          </p:cNvSpPr>
+          <p:nvPr>
+            <p:ph type="sldNum" sz="quarter" idx="12"/>
+          </p:nvPr>
+        </p:nvSpPr>
+        <p:spPr/>
+        <p:txBody>
+          <a:bodyPr/>
+          <a:lstStyle/>
+          <a:p>
+            <a:fld id="{C338348D-F2D3-AB47-AE2A-1D59B1E58D64}" type="slidenum">
+              <a:rPr lang="en-GB" smtClean="0"/>
+              <a:pPr/>
+              <a:t>6</a:t>
+            </a:fld>
+            <a:endParaRPr lang="en-GB" dirty="0"/>
+          </a:p>
+        </p:txBody>
+      </p:sp>
+      <p:pic>
+        <p:nvPicPr>
           <p:cNvPr id="6" name="Picture 5">
             <a:extLst>
               <a:ext uri="{FF2B5EF4-FFF2-40B4-BE49-F238E27FC236}">
@@ -11445,7 +11786,7 @@
 </p:sld>
 </file>
 
-<file path=ppt/slides/slide6.xml><?xml version="1.0" encoding="utf-8"?>
+<file path=ppt/slides/slide7.xml><?xml version="1.0" encoding="utf-8"?>
 <p:sld xmlns:a="http://schemas.openxmlformats.org/drawingml/2006/main" xmlns:r="http://schemas.openxmlformats.org/officeDocument/2006/relationships" xmlns:p="http://schemas.openxmlformats.org/presentationml/2006/main">
   <p:cSld>
     <p:spTree>
@@ -11543,7 +11884,7 @@
             <a:fld id="{C338348D-F2D3-AB47-AE2A-1D59B1E58D64}" type="slidenum">
               <a:rPr lang="en-GB" smtClean="0"/>
               <a:pPr/>
-              <a:t>6</a:t>
+              <a:t>7</a:t>
             </a:fld>
             <a:endParaRPr lang="en-GB" dirty="0"/>
           </a:p>
